--- a/Lightning Talk.pptx
+++ b/Lightning Talk.pptx
@@ -18,17 +18,16 @@
     <p:sldId id="263" r:id="rId13"/>
     <p:sldId id="264" r:id="rId14"/>
     <p:sldId id="265" r:id="rId15"/>
-    <p:sldId id="266" r:id="rId16"/>
   </p:sldIdLst>
   <p:sldSz cy="5143500" cx="9144000"/>
   <p:notesSz cx="6858000" cy="9144000"/>
   <p:embeddedFontLst>
     <p:embeddedFont>
       <p:font typeface="Proxima Nova"/>
-      <p:regular r:id="rId17"/>
-      <p:bold r:id="rId18"/>
-      <p:italic r:id="rId19"/>
-      <p:boldItalic r:id="rId20"/>
+      <p:regular r:id="rId16"/>
+      <p:bold r:id="rId17"/>
+      <p:italic r:id="rId18"/>
+      <p:boldItalic r:id="rId19"/>
     </p:embeddedFont>
   </p:embeddedFontLst>
   <p:defaultTextStyle>
@@ -805,7 +804,7 @@
   <p:cSld>
     <p:spTree>
       <p:nvGrpSpPr>
-        <p:cNvPr id="116" name="Shape 116"/>
+        <p:cNvPr id="120" name="Shape 120"/>
         <p:cNvGrpSpPr/>
         <p:nvPr/>
       </p:nvGrpSpPr>
@@ -819,7 +818,7 @@
       </p:grpSpPr>
       <p:sp>
         <p:nvSpPr>
-          <p:cNvPr id="117" name="Shape 117"/>
+          <p:cNvPr id="121" name="Shape 121"/>
           <p:cNvSpPr/>
           <p:nvPr>
             <p:ph idx="2" type="sldImg"/>
@@ -853,105 +852,7 @@
       </p:sp>
       <p:sp>
         <p:nvSpPr>
-          <p:cNvPr id="118" name="Shape 118"/>
-          <p:cNvSpPr txBox="1"/>
-          <p:nvPr>
-            <p:ph idx="1" type="body"/>
-          </p:nvPr>
-        </p:nvSpPr>
-        <p:spPr>
-          <a:xfrm>
-            <a:off x="685800" y="4343400"/>
-            <a:ext cx="5486400" cy="4114800"/>
-          </a:xfrm>
-          <a:prstGeom prst="rect">
-            <a:avLst/>
-          </a:prstGeom>
-        </p:spPr>
-        <p:txBody>
-          <a:bodyPr anchorCtr="0" anchor="t" bIns="91425" lIns="91425" spcFirstLastPara="1" rIns="91425" wrap="square" tIns="91425">
-            <a:noAutofit/>
-          </a:bodyPr>
-          <a:lstStyle/>
-          <a:p>
-            <a:pPr indent="0" lvl="0" marL="0">
-              <a:spcBef>
-                <a:spcPts val="0"/>
-              </a:spcBef>
-              <a:spcAft>
-                <a:spcPts val="0"/>
-              </a:spcAft>
-              <a:buNone/>
-            </a:pPr>
-            <a:r>
-              <a:t/>
-            </a:r>
-            <a:endParaRPr/>
-          </a:p>
-        </p:txBody>
-      </p:sp>
-    </p:spTree>
-  </p:cSld>
-  <p:clrMapOvr>
-    <a:masterClrMapping/>
-  </p:clrMapOvr>
-</p:notes>
-</file>
-
-<file path=ppt/notesSlides/notesSlide11.xml><?xml version="1.0" encoding="utf-8"?>
-<p:notes xmlns:a="http://schemas.openxmlformats.org/drawingml/2006/main" xmlns:r="http://schemas.openxmlformats.org/officeDocument/2006/relationships" xmlns:mc="http://schemas.openxmlformats.org/markup-compatibility/2006" xmlns:mv="urn:schemas-microsoft-com:mac:vml" xmlns:p="http://schemas.openxmlformats.org/presentationml/2006/main" xmlns:c="http://schemas.openxmlformats.org/drawingml/2006/chart" xmlns:dgm="http://schemas.openxmlformats.org/drawingml/2006/diagram" xmlns:o="urn:schemas-microsoft-com:office:office" xmlns:v="urn:schemas-microsoft-com:vml" xmlns:pvml="urn:schemas-microsoft-com:office:powerpoint" xmlns:com="http://schemas.openxmlformats.org/drawingml/2006/compatibility" xmlns:p14="http://schemas.microsoft.com/office/powerpoint/2010/main" xmlns:p15="http://schemas.microsoft.com/office/powerpoint/2012/main" showMasterPhAnim="0" showMasterSp="0">
-  <p:cSld>
-    <p:spTree>
-      <p:nvGrpSpPr>
-        <p:cNvPr id="127" name="Shape 127"/>
-        <p:cNvGrpSpPr/>
-        <p:nvPr/>
-      </p:nvGrpSpPr>
-      <p:grpSpPr>
-        <a:xfrm>
-          <a:off x="0" y="0"/>
-          <a:ext cx="0" cy="0"/>
-          <a:chOff x="0" y="0"/>
-          <a:chExt cx="0" cy="0"/>
-        </a:xfrm>
-      </p:grpSpPr>
-      <p:sp>
-        <p:nvSpPr>
-          <p:cNvPr id="128" name="Shape 128"/>
-          <p:cNvSpPr/>
-          <p:nvPr>
-            <p:ph idx="2" type="sldImg"/>
-          </p:nvPr>
-        </p:nvSpPr>
-        <p:spPr>
-          <a:xfrm>
-            <a:off x="381300" y="685800"/>
-            <a:ext cx="6096000" cy="3429000"/>
-          </a:xfrm>
-          <a:custGeom>
-            <a:pathLst>
-              <a:path extrusionOk="0" h="120000" w="120000">
-                <a:moveTo>
-                  <a:pt x="0" y="0"/>
-                </a:moveTo>
-                <a:lnTo>
-                  <a:pt x="120000" y="0"/>
-                </a:lnTo>
-                <a:lnTo>
-                  <a:pt x="120000" y="120000"/>
-                </a:lnTo>
-                <a:lnTo>
-                  <a:pt x="0" y="120000"/>
-                </a:lnTo>
-                <a:close/>
-              </a:path>
-            </a:pathLst>
-          </a:custGeom>
-        </p:spPr>
-      </p:sp>
-      <p:sp>
-        <p:nvSpPr>
-          <p:cNvPr id="129" name="Shape 129"/>
+          <p:cNvPr id="122" name="Shape 122"/>
           <p:cNvSpPr txBox="1"/>
           <p:nvPr>
             <p:ph idx="1" type="body"/>
@@ -7198,7 +7099,7 @@
   <p:cSld>
     <p:spTree>
       <p:nvGrpSpPr>
-        <p:cNvPr id="119" name="Shape 119"/>
+        <p:cNvPr id="123" name="Shape 123"/>
         <p:cNvGrpSpPr/>
         <p:nvPr/>
       </p:nvGrpSpPr>
@@ -7212,240 +7113,7 @@
       </p:grpSpPr>
       <p:sp>
         <p:nvSpPr>
-          <p:cNvPr id="120" name="Shape 120"/>
-          <p:cNvSpPr txBox="1"/>
-          <p:nvPr>
-            <p:ph type="title"/>
-          </p:nvPr>
-        </p:nvSpPr>
-        <p:spPr>
-          <a:xfrm>
-            <a:off x="481800" y="318100"/>
-            <a:ext cx="8180400" cy="1116000"/>
-          </a:xfrm>
-          <a:prstGeom prst="rect">
-            <a:avLst/>
-          </a:prstGeom>
-        </p:spPr>
-        <p:txBody>
-          <a:bodyPr anchorCtr="0" anchor="ctr" bIns="91425" lIns="91425" spcFirstLastPara="1" rIns="91425" wrap="square" tIns="91425">
-            <a:noAutofit/>
-          </a:bodyPr>
-          <a:lstStyle/>
-          <a:p>
-            <a:pPr indent="0" lvl="0" marL="0">
-              <a:spcBef>
-                <a:spcPts val="0"/>
-              </a:spcBef>
-              <a:spcAft>
-                <a:spcPts val="0"/>
-              </a:spcAft>
-              <a:buNone/>
-            </a:pPr>
-            <a:r>
-              <a:rPr lang="en"/>
-              <a:t>Reactive Native Applications</a:t>
-            </a:r>
-            <a:endParaRPr/>
-          </a:p>
-        </p:txBody>
-      </p:sp>
-      <p:pic>
-        <p:nvPicPr>
-          <p:cNvPr id="121" name="Shape 121"/>
-          <p:cNvPicPr preferRelativeResize="0"/>
-          <p:nvPr/>
-        </p:nvPicPr>
-        <p:blipFill>
-          <a:blip r:embed="rId3">
-            <a:alphaModFix/>
-          </a:blip>
-          <a:stretch>
-            <a:fillRect/>
-          </a:stretch>
-        </p:blipFill>
-        <p:spPr>
-          <a:xfrm>
-            <a:off x="680600" y="1434100"/>
-            <a:ext cx="1671975" cy="1671975"/>
-          </a:xfrm>
-          <a:prstGeom prst="rect">
-            <a:avLst/>
-          </a:prstGeom>
-          <a:noFill/>
-          <a:ln>
-            <a:noFill/>
-          </a:ln>
-        </p:spPr>
-      </p:pic>
-      <p:pic>
-        <p:nvPicPr>
-          <p:cNvPr id="122" name="Shape 122"/>
-          <p:cNvPicPr preferRelativeResize="0"/>
-          <p:nvPr/>
-        </p:nvPicPr>
-        <p:blipFill>
-          <a:blip r:embed="rId4">
-            <a:alphaModFix/>
-          </a:blip>
-          <a:stretch>
-            <a:fillRect/>
-          </a:stretch>
-        </p:blipFill>
-        <p:spPr>
-          <a:xfrm>
-            <a:off x="3523314" y="1434100"/>
-            <a:ext cx="1671975" cy="1671975"/>
-          </a:xfrm>
-          <a:prstGeom prst="rect">
-            <a:avLst/>
-          </a:prstGeom>
-          <a:noFill/>
-          <a:ln>
-            <a:noFill/>
-          </a:ln>
-        </p:spPr>
-      </p:pic>
-      <p:pic>
-        <p:nvPicPr>
-          <p:cNvPr id="123" name="Shape 123"/>
-          <p:cNvPicPr preferRelativeResize="0"/>
-          <p:nvPr/>
-        </p:nvPicPr>
-        <p:blipFill>
-          <a:blip r:embed="rId5">
-            <a:alphaModFix/>
-          </a:blip>
-          <a:stretch>
-            <a:fillRect/>
-          </a:stretch>
-        </p:blipFill>
-        <p:spPr>
-          <a:xfrm>
-            <a:off x="6439975" y="1336050"/>
-            <a:ext cx="1671975" cy="1671975"/>
-          </a:xfrm>
-          <a:prstGeom prst="rect">
-            <a:avLst/>
-          </a:prstGeom>
-          <a:noFill/>
-          <a:ln>
-            <a:noFill/>
-          </a:ln>
-        </p:spPr>
-      </p:pic>
-      <p:pic>
-        <p:nvPicPr>
           <p:cNvPr id="124" name="Shape 124"/>
-          <p:cNvPicPr preferRelativeResize="0"/>
-          <p:nvPr/>
-        </p:nvPicPr>
-        <p:blipFill>
-          <a:blip r:embed="rId6">
-            <a:alphaModFix/>
-          </a:blip>
-          <a:stretch>
-            <a:fillRect/>
-          </a:stretch>
-        </p:blipFill>
-        <p:spPr>
-          <a:xfrm>
-            <a:off x="680625" y="3259600"/>
-            <a:ext cx="1671975" cy="1671975"/>
-          </a:xfrm>
-          <a:prstGeom prst="rect">
-            <a:avLst/>
-          </a:prstGeom>
-          <a:noFill/>
-          <a:ln>
-            <a:noFill/>
-          </a:ln>
-        </p:spPr>
-      </p:pic>
-      <p:pic>
-        <p:nvPicPr>
-          <p:cNvPr id="125" name="Shape 125"/>
-          <p:cNvPicPr preferRelativeResize="0"/>
-          <p:nvPr/>
-        </p:nvPicPr>
-        <p:blipFill>
-          <a:blip r:embed="rId7">
-            <a:alphaModFix/>
-          </a:blip>
-          <a:stretch>
-            <a:fillRect/>
-          </a:stretch>
-        </p:blipFill>
-        <p:spPr>
-          <a:xfrm>
-            <a:off x="3560310" y="3259600"/>
-            <a:ext cx="1671975" cy="1671975"/>
-          </a:xfrm>
-          <a:prstGeom prst="rect">
-            <a:avLst/>
-          </a:prstGeom>
-          <a:noFill/>
-          <a:ln>
-            <a:noFill/>
-          </a:ln>
-        </p:spPr>
-      </p:pic>
-      <p:pic>
-        <p:nvPicPr>
-          <p:cNvPr id="126" name="Shape 126"/>
-          <p:cNvPicPr preferRelativeResize="0"/>
-          <p:nvPr/>
-        </p:nvPicPr>
-        <p:blipFill>
-          <a:blip r:embed="rId8">
-            <a:alphaModFix/>
-          </a:blip>
-          <a:stretch>
-            <a:fillRect/>
-          </a:stretch>
-        </p:blipFill>
-        <p:spPr>
-          <a:xfrm>
-            <a:off x="6439975" y="3259600"/>
-            <a:ext cx="1671975" cy="1671975"/>
-          </a:xfrm>
-          <a:prstGeom prst="rect">
-            <a:avLst/>
-          </a:prstGeom>
-          <a:noFill/>
-          <a:ln>
-            <a:noFill/>
-          </a:ln>
-        </p:spPr>
-      </p:pic>
-    </p:spTree>
-  </p:cSld>
-  <p:clrMapOvr>
-    <a:masterClrMapping/>
-  </p:clrMapOvr>
-</p:sld>
-</file>
-
-<file path=ppt/slides/slide11.xml><?xml version="1.0" encoding="utf-8"?>
-<p:sld xmlns:a="http://schemas.openxmlformats.org/drawingml/2006/main" xmlns:r="http://schemas.openxmlformats.org/officeDocument/2006/relationships" xmlns:mc="http://schemas.openxmlformats.org/markup-compatibility/2006" xmlns:mv="urn:schemas-microsoft-com:mac:vml" xmlns:p="http://schemas.openxmlformats.org/presentationml/2006/main" xmlns:c="http://schemas.openxmlformats.org/drawingml/2006/chart" xmlns:dgm="http://schemas.openxmlformats.org/drawingml/2006/diagram" xmlns:o="urn:schemas-microsoft-com:office:office" xmlns:v="urn:schemas-microsoft-com:vml" xmlns:pvml="urn:schemas-microsoft-com:office:powerpoint" xmlns:com="http://schemas.openxmlformats.org/drawingml/2006/compatibility" xmlns:p14="http://schemas.microsoft.com/office/powerpoint/2010/main" xmlns:p15="http://schemas.microsoft.com/office/powerpoint/2012/main">
-  <p:cSld>
-    <p:spTree>
-      <p:nvGrpSpPr>
-        <p:cNvPr id="130" name="Shape 130"/>
-        <p:cNvGrpSpPr/>
-        <p:nvPr/>
-      </p:nvGrpSpPr>
-      <p:grpSpPr>
-        <a:xfrm>
-          <a:off x="0" y="0"/>
-          <a:ext cx="0" cy="0"/>
-          <a:chOff x="0" y="0"/>
-          <a:chExt cx="0" cy="0"/>
-        </a:xfrm>
-      </p:grpSpPr>
-      <p:sp>
-        <p:nvSpPr>
-          <p:cNvPr id="131" name="Shape 131"/>
           <p:cNvSpPr txBox="1"/>
           <p:nvPr>
             <p:ph type="title"/>
@@ -7485,7 +7153,7 @@
       </p:sp>
       <p:sp>
         <p:nvSpPr>
-          <p:cNvPr id="132" name="Shape 132"/>
+          <p:cNvPr id="125" name="Shape 125"/>
           <p:cNvSpPr txBox="1"/>
           <p:nvPr>
             <p:ph idx="1" type="body"/>
@@ -7698,7 +7366,7 @@
           </a:bodyPr>
           <a:lstStyle/>
           <a:p>
-            <a:pPr indent="0" lvl="0" marL="0">
+            <a:pPr indent="0" lvl="0" marL="0" rtl="0">
               <a:spcBef>
                 <a:spcPts val="0"/>
               </a:spcBef>
@@ -7734,22 +7402,14 @@
             </a:pPr>
             <a:r>
               <a:rPr lang="en"/>
-              <a:t>React applications are </a:t>
-            </a:r>
-            <a:r>
-              <a:rPr lang="en"/>
-              <a:t>indistinguishable</a:t>
-            </a:r>
-            <a:r>
-              <a:rPr lang="en"/>
-              <a:t> from applications created using objective-c or Java. </a:t>
+              <a:t>React Native is a javascript framework for building native mobile apps for android and iOS devices.</a:t>
             </a:r>
             <a:endParaRPr/>
           </a:p>
           <a:p>
             <a:pPr indent="-342900" lvl="0" marL="457200" rtl="0">
               <a:spcBef>
-                <a:spcPts val="0"/>
+                <a:spcPts val="1600"/>
               </a:spcBef>
               <a:spcAft>
                 <a:spcPts val="0"/>
@@ -7759,11 +7419,15 @@
             </a:pPr>
             <a:r>
               <a:rPr lang="en"/>
-              <a:t>Using same UI building blocks as iOS and </a:t>
+              <a:t>React applications are </a:t>
             </a:r>
             <a:r>
               <a:rPr lang="en"/>
-              <a:t>android, just putting them together using React and Javascript.</a:t>
+              <a:t>indistinguishable</a:t>
+            </a:r>
+            <a:r>
+              <a:rPr lang="en"/>
+              <a:t> from applications created using objective-c or Java. </a:t>
             </a:r>
             <a:endParaRPr/>
           </a:p>
@@ -7780,14 +7444,18 @@
             </a:pPr>
             <a:r>
               <a:rPr lang="en"/>
-              <a:t>React Native is a javascript framework for building for building native mobile apps for android and iOS devices.</a:t>
+              <a:t>Using same UI building blocks as iOS and </a:t>
+            </a:r>
+            <a:r>
+              <a:rPr lang="en"/>
+              <a:t>android, just putting them together using React and Javascript.</a:t>
             </a:r>
             <a:endParaRPr/>
           </a:p>
           <a:p>
             <a:pPr indent="-342900" lvl="0" marL="457200" rtl="0">
               <a:spcBef>
-                <a:spcPts val="1600"/>
+                <a:spcPts val="0"/>
               </a:spcBef>
               <a:spcAft>
                 <a:spcPts val="1600"/>
@@ -8004,7 +7672,7 @@
             </a:r>
             <a:r>
               <a:rPr lang="en"/>
-              <a:t>API’s for device interaction</a:t>
+              <a:t>API’s for device interaction (Fetch, Redux, React Navigation)</a:t>
             </a:r>
             <a:endParaRPr/>
           </a:p>
@@ -8085,26 +7753,6 @@
             <a:r>
               <a:rPr lang="en" sz="1800"/>
               <a:t>Share / Messages</a:t>
-            </a:r>
-            <a:endParaRPr sz="1800"/>
-          </a:p>
-          <a:p>
-            <a:pPr indent="-342900" lvl="1" marL="914400" marR="0" rtl="0" algn="l">
-              <a:lnSpc>
-                <a:spcPct val="115000"/>
-              </a:lnSpc>
-              <a:spcBef>
-                <a:spcPts val="0"/>
-              </a:spcBef>
-              <a:spcAft>
-                <a:spcPts val="0"/>
-              </a:spcAft>
-              <a:buSzPts val="1800"/>
-              <a:buChar char="○"/>
-            </a:pPr>
-            <a:r>
-              <a:rPr lang="en" sz="1800"/>
-              <a:t>ImageEditor</a:t>
             </a:r>
             <a:endParaRPr sz="1800"/>
           </a:p>
@@ -8323,7 +7971,7 @@
             </a:br>
             <a:r>
               <a:rPr lang="en"/>
-              <a:t>Development in natively</a:t>
+              <a:t>Development natively</a:t>
             </a:r>
             <a:endParaRPr/>
           </a:p>
@@ -9276,15 +8924,15 @@
         </p:nvSpPr>
         <p:spPr>
           <a:xfrm>
-            <a:off x="311700" y="445025"/>
-            <a:ext cx="8520600" cy="572700"/>
+            <a:off x="481800" y="318100"/>
+            <a:ext cx="8180400" cy="1116000"/>
           </a:xfrm>
           <a:prstGeom prst="rect">
             <a:avLst/>
           </a:prstGeom>
         </p:spPr>
         <p:txBody>
-          <a:bodyPr anchorCtr="0" anchor="t" bIns="91425" lIns="91425" spcFirstLastPara="1" rIns="91425" wrap="square" tIns="91425">
+          <a:bodyPr anchorCtr="0" anchor="ctr" bIns="91425" lIns="91425" spcFirstLastPara="1" rIns="91425" wrap="square" tIns="91425">
             <a:noAutofit/>
           </a:bodyPr>
           <a:lstStyle/>
@@ -9300,97 +8948,7 @@
             </a:pPr>
             <a:r>
               <a:rPr lang="en"/>
-              <a:t>How to run react-native applications</a:t>
-            </a:r>
-            <a:endParaRPr/>
-          </a:p>
-        </p:txBody>
-      </p:sp>
-      <p:sp>
-        <p:nvSpPr>
-          <p:cNvPr id="114" name="Shape 114"/>
-          <p:cNvSpPr txBox="1"/>
-          <p:nvPr>
-            <p:ph idx="1" type="body"/>
-          </p:nvPr>
-        </p:nvSpPr>
-        <p:spPr>
-          <a:xfrm>
-            <a:off x="311700" y="1152475"/>
-            <a:ext cx="8520600" cy="3416400"/>
-          </a:xfrm>
-          <a:prstGeom prst="rect">
-            <a:avLst/>
-          </a:prstGeom>
-        </p:spPr>
-        <p:txBody>
-          <a:bodyPr anchorCtr="0" anchor="t" bIns="91425" lIns="91425" spcFirstLastPara="1" rIns="91425" wrap="square" tIns="91425">
-            <a:noAutofit/>
-          </a:bodyPr>
-          <a:lstStyle/>
-          <a:p>
-            <a:pPr indent="-342900" lvl="0" marL="457200" rtl="0">
-              <a:spcBef>
-                <a:spcPts val="0"/>
-              </a:spcBef>
-              <a:spcAft>
-                <a:spcPts val="0"/>
-              </a:spcAft>
-              <a:buSzPts val="1800"/>
-              <a:buChar char="●"/>
-            </a:pPr>
-            <a:r>
-              <a:rPr lang="en"/>
-              <a:t>You can run them on Expo (Linux, Mac, Windows)</a:t>
-            </a:r>
-            <a:endParaRPr/>
-          </a:p>
-          <a:p>
-            <a:pPr indent="-342900" lvl="0" marL="457200" rtl="0">
-              <a:spcBef>
-                <a:spcPts val="0"/>
-              </a:spcBef>
-              <a:spcAft>
-                <a:spcPts val="0"/>
-              </a:spcAft>
-              <a:buSzPts val="1800"/>
-              <a:buChar char="●"/>
-            </a:pPr>
-            <a:r>
-              <a:rPr lang="en"/>
-              <a:t>In the terminal with react-native run-ios, or run-android</a:t>
-            </a:r>
-            <a:endParaRPr/>
-          </a:p>
-          <a:p>
-            <a:pPr indent="-342900" lvl="0" marL="457200" rtl="0">
-              <a:spcBef>
-                <a:spcPts val="0"/>
-              </a:spcBef>
-              <a:spcAft>
-                <a:spcPts val="0"/>
-              </a:spcAft>
-              <a:buSzPts val="1800"/>
-              <a:buChar char="●"/>
-            </a:pPr>
-            <a:r>
-              <a:rPr lang="en"/>
-              <a:t>On Mac use Simulator, and on windows use android studios with a VM</a:t>
-            </a:r>
-            <a:endParaRPr/>
-          </a:p>
-          <a:p>
-            <a:pPr indent="0" lvl="0" marL="0">
-              <a:spcBef>
-                <a:spcPts val="1600"/>
-              </a:spcBef>
-              <a:spcAft>
-                <a:spcPts val="1600"/>
-              </a:spcAft>
-              <a:buNone/>
-            </a:pPr>
-            <a:r>
-              <a:t/>
+              <a:t>Reactive Native Applications</a:t>
             </a:r>
             <a:endParaRPr/>
           </a:p>
@@ -9398,7 +8956,7 @@
       </p:sp>
       <p:pic>
         <p:nvPicPr>
-          <p:cNvPr id="115" name="Shape 115"/>
+          <p:cNvPr id="114" name="Shape 114"/>
           <p:cNvPicPr preferRelativeResize="0"/>
           <p:nvPr/>
         </p:nvPicPr>
@@ -9412,8 +8970,148 @@
         </p:blipFill>
         <p:spPr>
           <a:xfrm>
-            <a:off x="5660875" y="2123975"/>
-            <a:ext cx="3171425" cy="2832725"/>
+            <a:off x="680600" y="1434100"/>
+            <a:ext cx="1671975" cy="1671975"/>
+          </a:xfrm>
+          <a:prstGeom prst="rect">
+            <a:avLst/>
+          </a:prstGeom>
+          <a:noFill/>
+          <a:ln>
+            <a:noFill/>
+          </a:ln>
+        </p:spPr>
+      </p:pic>
+      <p:pic>
+        <p:nvPicPr>
+          <p:cNvPr id="115" name="Shape 115"/>
+          <p:cNvPicPr preferRelativeResize="0"/>
+          <p:nvPr/>
+        </p:nvPicPr>
+        <p:blipFill>
+          <a:blip r:embed="rId4">
+            <a:alphaModFix/>
+          </a:blip>
+          <a:stretch>
+            <a:fillRect/>
+          </a:stretch>
+        </p:blipFill>
+        <p:spPr>
+          <a:xfrm>
+            <a:off x="3523314" y="1434100"/>
+            <a:ext cx="1671975" cy="1671975"/>
+          </a:xfrm>
+          <a:prstGeom prst="rect">
+            <a:avLst/>
+          </a:prstGeom>
+          <a:noFill/>
+          <a:ln>
+            <a:noFill/>
+          </a:ln>
+        </p:spPr>
+      </p:pic>
+      <p:pic>
+        <p:nvPicPr>
+          <p:cNvPr id="116" name="Shape 116"/>
+          <p:cNvPicPr preferRelativeResize="0"/>
+          <p:nvPr/>
+        </p:nvPicPr>
+        <p:blipFill>
+          <a:blip r:embed="rId5">
+            <a:alphaModFix/>
+          </a:blip>
+          <a:stretch>
+            <a:fillRect/>
+          </a:stretch>
+        </p:blipFill>
+        <p:spPr>
+          <a:xfrm>
+            <a:off x="6439975" y="1336050"/>
+            <a:ext cx="1671975" cy="1671975"/>
+          </a:xfrm>
+          <a:prstGeom prst="rect">
+            <a:avLst/>
+          </a:prstGeom>
+          <a:noFill/>
+          <a:ln>
+            <a:noFill/>
+          </a:ln>
+        </p:spPr>
+      </p:pic>
+      <p:pic>
+        <p:nvPicPr>
+          <p:cNvPr id="117" name="Shape 117"/>
+          <p:cNvPicPr preferRelativeResize="0"/>
+          <p:nvPr/>
+        </p:nvPicPr>
+        <p:blipFill>
+          <a:blip r:embed="rId6">
+            <a:alphaModFix/>
+          </a:blip>
+          <a:stretch>
+            <a:fillRect/>
+          </a:stretch>
+        </p:blipFill>
+        <p:spPr>
+          <a:xfrm>
+            <a:off x="680625" y="3259600"/>
+            <a:ext cx="1671975" cy="1671975"/>
+          </a:xfrm>
+          <a:prstGeom prst="rect">
+            <a:avLst/>
+          </a:prstGeom>
+          <a:noFill/>
+          <a:ln>
+            <a:noFill/>
+          </a:ln>
+        </p:spPr>
+      </p:pic>
+      <p:pic>
+        <p:nvPicPr>
+          <p:cNvPr id="118" name="Shape 118"/>
+          <p:cNvPicPr preferRelativeResize="0"/>
+          <p:nvPr/>
+        </p:nvPicPr>
+        <p:blipFill>
+          <a:blip r:embed="rId7">
+            <a:alphaModFix/>
+          </a:blip>
+          <a:stretch>
+            <a:fillRect/>
+          </a:stretch>
+        </p:blipFill>
+        <p:spPr>
+          <a:xfrm>
+            <a:off x="3560310" y="3259600"/>
+            <a:ext cx="1671975" cy="1671975"/>
+          </a:xfrm>
+          <a:prstGeom prst="rect">
+            <a:avLst/>
+          </a:prstGeom>
+          <a:noFill/>
+          <a:ln>
+            <a:noFill/>
+          </a:ln>
+        </p:spPr>
+      </p:pic>
+      <p:pic>
+        <p:nvPicPr>
+          <p:cNvPr id="119" name="Shape 119"/>
+          <p:cNvPicPr preferRelativeResize="0"/>
+          <p:nvPr/>
+        </p:nvPicPr>
+        <p:blipFill>
+          <a:blip r:embed="rId8">
+            <a:alphaModFix/>
+          </a:blip>
+          <a:stretch>
+            <a:fillRect/>
+          </a:stretch>
+        </p:blipFill>
+        <p:spPr>
+          <a:xfrm>
+            <a:off x="6439975" y="3259600"/>
+            <a:ext cx="1671975" cy="1671975"/>
           </a:xfrm>
           <a:prstGeom prst="rect">
             <a:avLst/>
@@ -9433,6 +9131,285 @@
 </file>
 
 <file path=ppt/theme/theme1.xml><?xml version="1.0" encoding="utf-8"?>
+<a:theme xmlns:a="http://schemas.openxmlformats.org/drawingml/2006/main" xmlns:r="http://schemas.openxmlformats.org/officeDocument/2006/relationships">
+  <a:themeElements>
+    <a:clrScheme name="Default">
+      <a:dk1>
+        <a:srgbClr val="000000"/>
+      </a:dk1>
+      <a:lt1>
+        <a:srgbClr val="FFFFFF"/>
+      </a:lt1>
+      <a:dk2>
+        <a:srgbClr val="158158"/>
+      </a:dk2>
+      <a:lt2>
+        <a:srgbClr val="F3F3F3"/>
+      </a:lt2>
+      <a:accent1>
+        <a:srgbClr val="058DC7"/>
+      </a:accent1>
+      <a:accent2>
+        <a:srgbClr val="50B432"/>
+      </a:accent2>
+      <a:accent3>
+        <a:srgbClr val="ED561B"/>
+      </a:accent3>
+      <a:accent4>
+        <a:srgbClr val="EDEF00"/>
+      </a:accent4>
+      <a:accent5>
+        <a:srgbClr val="24CBE5"/>
+      </a:accent5>
+      <a:accent6>
+        <a:srgbClr val="64E572"/>
+      </a:accent6>
+      <a:hlink>
+        <a:srgbClr val="2200CC"/>
+      </a:hlink>
+      <a:folHlink>
+        <a:srgbClr val="551A8B"/>
+      </a:folHlink>
+    </a:clrScheme>
+    <a:fontScheme name="Office">
+      <a:majorFont>
+        <a:latin typeface="Arial"/>
+        <a:ea typeface=""/>
+        <a:cs typeface=""/>
+        <a:font script="Jpan" typeface="ＭＳ Ｐゴシック"/>
+        <a:font script="Hang" typeface="맑은 고딕"/>
+        <a:font script="Hans" typeface="宋体"/>
+        <a:font script="Hant" typeface="新細明體"/>
+        <a:font script="Arab" typeface="Times New Roman"/>
+        <a:font script="Hebr" typeface="Times New Roman"/>
+        <a:font script="Thai" typeface="Angsana New"/>
+        <a:font script="Ethi" typeface="Nyala"/>
+        <a:font script="Beng" typeface="Vrinda"/>
+        <a:font script="Gujr" typeface="Shruti"/>
+        <a:font script="Khmr" typeface="MoolBoran"/>
+        <a:font script="Knda" typeface="Tunga"/>
+        <a:font script="Guru" typeface="Raavi"/>
+        <a:font script="Cans" typeface="Euphemia"/>
+        <a:font script="Cher" typeface="Plantagenet Cherokee"/>
+        <a:font script="Yiii" typeface="Microsoft Yi Baiti"/>
+        <a:font script="Tibt" typeface="Microsoft Himalaya"/>
+        <a:font script="Thaa" typeface="MV Boli"/>
+        <a:font script="Deva" typeface="Mangal"/>
+        <a:font script="Telu" typeface="Gautami"/>
+        <a:font script="Taml" typeface="Latha"/>
+        <a:font script="Syrc" typeface="Estrangelo Edessa"/>
+        <a:font script="Orya" typeface="Kalinga"/>
+        <a:font script="Mlym" typeface="Kartika"/>
+        <a:font script="Laoo" typeface="DokChampa"/>
+        <a:font script="Sinh" typeface="Iskoola Pota"/>
+        <a:font script="Mong" typeface="Mongolian Baiti"/>
+        <a:font script="Viet" typeface="Times New Roman"/>
+        <a:font script="Uigh" typeface="Microsoft Uighur"/>
+        <a:font script="Geor" typeface="Sylfaen"/>
+      </a:majorFont>
+      <a:minorFont>
+        <a:latin typeface="Arial"/>
+        <a:ea typeface=""/>
+        <a:cs typeface=""/>
+        <a:font script="Jpan" typeface="ＭＳ Ｐゴシック"/>
+        <a:font script="Hang" typeface="맑은 고딕"/>
+        <a:font script="Hans" typeface="宋体"/>
+        <a:font script="Hant" typeface="新細明體"/>
+        <a:font script="Arab" typeface="Arial"/>
+        <a:font script="Hebr" typeface="Arial"/>
+        <a:font script="Thai" typeface="Cordia New"/>
+        <a:font script="Ethi" typeface="Nyala"/>
+        <a:font script="Beng" typeface="Vrinda"/>
+        <a:font script="Gujr" typeface="Shruti"/>
+        <a:font script="Khmr" typeface="DaunPenh"/>
+        <a:font script="Knda" typeface="Tunga"/>
+        <a:font script="Guru" typeface="Raavi"/>
+        <a:font script="Cans" typeface="Euphemia"/>
+        <a:font script="Cher" typeface="Plantagenet Cherokee"/>
+        <a:font script="Yiii" typeface="Microsoft Yi Baiti"/>
+        <a:font script="Tibt" typeface="Microsoft Himalaya"/>
+        <a:font script="Thaa" typeface="MV Boli"/>
+        <a:font script="Deva" typeface="Mangal"/>
+        <a:font script="Telu" typeface="Gautami"/>
+        <a:font script="Taml" typeface="Latha"/>
+        <a:font script="Syrc" typeface="Estrangelo Edessa"/>
+        <a:font script="Orya" typeface="Kalinga"/>
+        <a:font script="Mlym" typeface="Kartika"/>
+        <a:font script="Laoo" typeface="DokChampa"/>
+        <a:font script="Sinh" typeface="Iskoola Pota"/>
+        <a:font script="Mong" typeface="Mongolian Baiti"/>
+        <a:font script="Viet" typeface="Arial"/>
+        <a:font script="Uigh" typeface="Microsoft Uighur"/>
+        <a:font script="Geor" typeface="Sylfaen"/>
+      </a:minorFont>
+    </a:fontScheme>
+    <a:fmtScheme name="Office">
+      <a:fillStyleLst>
+        <a:solidFill>
+          <a:schemeClr val="phClr"/>
+        </a:solidFill>
+        <a:gradFill rotWithShape="1">
+          <a:gsLst>
+            <a:gs pos="0">
+              <a:schemeClr val="phClr">
+                <a:tint val="50000"/>
+                <a:satMod val="300000"/>
+              </a:schemeClr>
+            </a:gs>
+            <a:gs pos="35000">
+              <a:schemeClr val="phClr">
+                <a:tint val="37000"/>
+                <a:satMod val="300000"/>
+              </a:schemeClr>
+            </a:gs>
+            <a:gs pos="100000">
+              <a:schemeClr val="phClr">
+                <a:tint val="15000"/>
+                <a:satMod val="350000"/>
+              </a:schemeClr>
+            </a:gs>
+          </a:gsLst>
+          <a:lin ang="16200000" scaled="1"/>
+        </a:gradFill>
+        <a:gradFill rotWithShape="1">
+          <a:gsLst>
+            <a:gs pos="0">
+              <a:schemeClr val="phClr">
+                <a:tint val="100000"/>
+                <a:shade val="100000"/>
+                <a:satMod val="130000"/>
+              </a:schemeClr>
+            </a:gs>
+            <a:gs pos="100000">
+              <a:schemeClr val="phClr">
+                <a:tint val="50000"/>
+                <a:shade val="100000"/>
+                <a:satMod val="350000"/>
+              </a:schemeClr>
+            </a:gs>
+          </a:gsLst>
+          <a:lin ang="16200000" scaled="0"/>
+        </a:gradFill>
+      </a:fillStyleLst>
+      <a:lnStyleLst>
+        <a:ln w="9525" cap="flat" cmpd="sng" algn="ctr">
+          <a:solidFill>
+            <a:schemeClr val="phClr">
+              <a:shade val="95000"/>
+              <a:satMod val="105000"/>
+            </a:schemeClr>
+          </a:solidFill>
+          <a:prstDash val="solid"/>
+        </a:ln>
+        <a:ln w="25400" cap="flat" cmpd="sng" algn="ctr">
+          <a:solidFill>
+            <a:schemeClr val="phClr"/>
+          </a:solidFill>
+          <a:prstDash val="solid"/>
+        </a:ln>
+        <a:ln w="38100" cap="flat" cmpd="sng" algn="ctr">
+          <a:solidFill>
+            <a:schemeClr val="phClr"/>
+          </a:solidFill>
+          <a:prstDash val="solid"/>
+        </a:ln>
+      </a:lnStyleLst>
+      <a:effectStyleLst>
+        <a:effectStyle>
+          <a:effectLst>
+            <a:outerShdw blurRad="40000" dist="20000" dir="5400000" rotWithShape="0">
+              <a:srgbClr val="000000">
+                <a:alpha val="38000"/>
+              </a:srgbClr>
+            </a:outerShdw>
+          </a:effectLst>
+        </a:effectStyle>
+        <a:effectStyle>
+          <a:effectLst>
+            <a:outerShdw blurRad="40000" dist="23000" dir="5400000" rotWithShape="0">
+              <a:srgbClr val="000000">
+                <a:alpha val="35000"/>
+              </a:srgbClr>
+            </a:outerShdw>
+          </a:effectLst>
+        </a:effectStyle>
+        <a:effectStyle>
+          <a:effectLst>
+            <a:outerShdw blurRad="40000" dist="23000" dir="5400000" rotWithShape="0">
+              <a:srgbClr val="000000">
+                <a:alpha val="35000"/>
+              </a:srgbClr>
+            </a:outerShdw>
+          </a:effectLst>
+          <a:scene3d>
+            <a:camera prst="orthographicFront">
+              <a:rot lat="0" lon="0" rev="0"/>
+            </a:camera>
+            <a:lightRig rig="threePt" dir="t">
+              <a:rot lat="0" lon="0" rev="1200000"/>
+            </a:lightRig>
+          </a:scene3d>
+          <a:sp3d>
+            <a:bevelT w="63500" h="25400"/>
+          </a:sp3d>
+        </a:effectStyle>
+      </a:effectStyleLst>
+      <a:bgFillStyleLst>
+        <a:solidFill>
+          <a:schemeClr val="phClr"/>
+        </a:solidFill>
+        <a:gradFill rotWithShape="1">
+          <a:gsLst>
+            <a:gs pos="0">
+              <a:schemeClr val="phClr">
+                <a:tint val="40000"/>
+                <a:satMod val="350000"/>
+              </a:schemeClr>
+            </a:gs>
+            <a:gs pos="40000">
+              <a:schemeClr val="phClr">
+                <a:tint val="45000"/>
+                <a:shade val="99000"/>
+                <a:satMod val="350000"/>
+              </a:schemeClr>
+            </a:gs>
+            <a:gs pos="100000">
+              <a:schemeClr val="phClr">
+                <a:shade val="20000"/>
+                <a:satMod val="255000"/>
+              </a:schemeClr>
+            </a:gs>
+          </a:gsLst>
+          <a:path path="circle">
+            <a:fillToRect l="50000" t="-80000" r="50000" b="180000"/>
+          </a:path>
+        </a:gradFill>
+        <a:gradFill rotWithShape="1">
+          <a:gsLst>
+            <a:gs pos="0">
+              <a:schemeClr val="phClr">
+                <a:tint val="80000"/>
+                <a:satMod val="300000"/>
+              </a:schemeClr>
+            </a:gs>
+            <a:gs pos="100000">
+              <a:schemeClr val="phClr">
+                <a:shade val="30000"/>
+                <a:satMod val="200000"/>
+              </a:schemeClr>
+            </a:gs>
+          </a:gsLst>
+          <a:path path="circle">
+            <a:fillToRect l="50000" t="50000" r="50000" b="50000"/>
+          </a:path>
+        </a:gradFill>
+      </a:bgFillStyleLst>
+    </a:fmtScheme>
+  </a:themeElements>
+</a:theme>
+</file>
+
+<file path=ppt/theme/theme2.xml><?xml version="1.0" encoding="utf-8"?>
 <a:theme xmlns:a="http://schemas.openxmlformats.org/drawingml/2006/main" xmlns:r="http://schemas.openxmlformats.org/officeDocument/2006/relationships" name="Spearmint">
   <a:themeElements>
     <a:clrScheme name="Spearmint">
@@ -9709,283 +9686,4 @@
     </a:fmtScheme>
   </a:themeElements>
 </a:theme>
-</file>
-
-<file path=ppt/theme/theme2.xml><?xml version="1.0" encoding="utf-8"?>
-<a:theme xmlns:a="http://schemas.openxmlformats.org/drawingml/2006/main" xmlns:r="http://schemas.openxmlformats.org/officeDocument/2006/relationships">
-  <a:themeElements>
-    <a:clrScheme name="Default">
-      <a:dk1>
-        <a:srgbClr val="000000"/>
-      </a:dk1>
-      <a:lt1>
-        <a:srgbClr val="FFFFFF"/>
-      </a:lt1>
-      <a:dk2>
-        <a:srgbClr val="158158"/>
-      </a:dk2>
-      <a:lt2>
-        <a:srgbClr val="F3F3F3"/>
-      </a:lt2>
-      <a:accent1>
-        <a:srgbClr val="058DC7"/>
-      </a:accent1>
-      <a:accent2>
-        <a:srgbClr val="50B432"/>
-      </a:accent2>
-      <a:accent3>
-        <a:srgbClr val="ED561B"/>
-      </a:accent3>
-      <a:accent4>
-        <a:srgbClr val="EDEF00"/>
-      </a:accent4>
-      <a:accent5>
-        <a:srgbClr val="24CBE5"/>
-      </a:accent5>
-      <a:accent6>
-        <a:srgbClr val="64E572"/>
-      </a:accent6>
-      <a:hlink>
-        <a:srgbClr val="2200CC"/>
-      </a:hlink>
-      <a:folHlink>
-        <a:srgbClr val="551A8B"/>
-      </a:folHlink>
-    </a:clrScheme>
-    <a:fontScheme name="Office">
-      <a:majorFont>
-        <a:latin typeface="Arial"/>
-        <a:ea typeface=""/>
-        <a:cs typeface=""/>
-        <a:font script="Jpan" typeface="ＭＳ Ｐゴシック"/>
-        <a:font script="Hang" typeface="맑은 고딕"/>
-        <a:font script="Hans" typeface="宋体"/>
-        <a:font script="Hant" typeface="新細明體"/>
-        <a:font script="Arab" typeface="Times New Roman"/>
-        <a:font script="Hebr" typeface="Times New Roman"/>
-        <a:font script="Thai" typeface="Angsana New"/>
-        <a:font script="Ethi" typeface="Nyala"/>
-        <a:font script="Beng" typeface="Vrinda"/>
-        <a:font script="Gujr" typeface="Shruti"/>
-        <a:font script="Khmr" typeface="MoolBoran"/>
-        <a:font script="Knda" typeface="Tunga"/>
-        <a:font script="Guru" typeface="Raavi"/>
-        <a:font script="Cans" typeface="Euphemia"/>
-        <a:font script="Cher" typeface="Plantagenet Cherokee"/>
-        <a:font script="Yiii" typeface="Microsoft Yi Baiti"/>
-        <a:font script="Tibt" typeface="Microsoft Himalaya"/>
-        <a:font script="Thaa" typeface="MV Boli"/>
-        <a:font script="Deva" typeface="Mangal"/>
-        <a:font script="Telu" typeface="Gautami"/>
-        <a:font script="Taml" typeface="Latha"/>
-        <a:font script="Syrc" typeface="Estrangelo Edessa"/>
-        <a:font script="Orya" typeface="Kalinga"/>
-        <a:font script="Mlym" typeface="Kartika"/>
-        <a:font script="Laoo" typeface="DokChampa"/>
-        <a:font script="Sinh" typeface="Iskoola Pota"/>
-        <a:font script="Mong" typeface="Mongolian Baiti"/>
-        <a:font script="Viet" typeface="Times New Roman"/>
-        <a:font script="Uigh" typeface="Microsoft Uighur"/>
-        <a:font script="Geor" typeface="Sylfaen"/>
-      </a:majorFont>
-      <a:minorFont>
-        <a:latin typeface="Arial"/>
-        <a:ea typeface=""/>
-        <a:cs typeface=""/>
-        <a:font script="Jpan" typeface="ＭＳ Ｐゴシック"/>
-        <a:font script="Hang" typeface="맑은 고딕"/>
-        <a:font script="Hans" typeface="宋体"/>
-        <a:font script="Hant" typeface="新細明體"/>
-        <a:font script="Arab" typeface="Arial"/>
-        <a:font script="Hebr" typeface="Arial"/>
-        <a:font script="Thai" typeface="Cordia New"/>
-        <a:font script="Ethi" typeface="Nyala"/>
-        <a:font script="Beng" typeface="Vrinda"/>
-        <a:font script="Gujr" typeface="Shruti"/>
-        <a:font script="Khmr" typeface="DaunPenh"/>
-        <a:font script="Knda" typeface="Tunga"/>
-        <a:font script="Guru" typeface="Raavi"/>
-        <a:font script="Cans" typeface="Euphemia"/>
-        <a:font script="Cher" typeface="Plantagenet Cherokee"/>
-        <a:font script="Yiii" typeface="Microsoft Yi Baiti"/>
-        <a:font script="Tibt" typeface="Microsoft Himalaya"/>
-        <a:font script="Thaa" typeface="MV Boli"/>
-        <a:font script="Deva" typeface="Mangal"/>
-        <a:font script="Telu" typeface="Gautami"/>
-        <a:font script="Taml" typeface="Latha"/>
-        <a:font script="Syrc" typeface="Estrangelo Edessa"/>
-        <a:font script="Orya" typeface="Kalinga"/>
-        <a:font script="Mlym" typeface="Kartika"/>
-        <a:font script="Laoo" typeface="DokChampa"/>
-        <a:font script="Sinh" typeface="Iskoola Pota"/>
-        <a:font script="Mong" typeface="Mongolian Baiti"/>
-        <a:font script="Viet" typeface="Arial"/>
-        <a:font script="Uigh" typeface="Microsoft Uighur"/>
-        <a:font script="Geor" typeface="Sylfaen"/>
-      </a:minorFont>
-    </a:fontScheme>
-    <a:fmtScheme name="Office">
-      <a:fillStyleLst>
-        <a:solidFill>
-          <a:schemeClr val="phClr"/>
-        </a:solidFill>
-        <a:gradFill rotWithShape="1">
-          <a:gsLst>
-            <a:gs pos="0">
-              <a:schemeClr val="phClr">
-                <a:tint val="50000"/>
-                <a:satMod val="300000"/>
-              </a:schemeClr>
-            </a:gs>
-            <a:gs pos="35000">
-              <a:schemeClr val="phClr">
-                <a:tint val="37000"/>
-                <a:satMod val="300000"/>
-              </a:schemeClr>
-            </a:gs>
-            <a:gs pos="100000">
-              <a:schemeClr val="phClr">
-                <a:tint val="15000"/>
-                <a:satMod val="350000"/>
-              </a:schemeClr>
-            </a:gs>
-          </a:gsLst>
-          <a:lin ang="16200000" scaled="1"/>
-        </a:gradFill>
-        <a:gradFill rotWithShape="1">
-          <a:gsLst>
-            <a:gs pos="0">
-              <a:schemeClr val="phClr">
-                <a:tint val="100000"/>
-                <a:shade val="100000"/>
-                <a:satMod val="130000"/>
-              </a:schemeClr>
-            </a:gs>
-            <a:gs pos="100000">
-              <a:schemeClr val="phClr">
-                <a:tint val="50000"/>
-                <a:shade val="100000"/>
-                <a:satMod val="350000"/>
-              </a:schemeClr>
-            </a:gs>
-          </a:gsLst>
-          <a:lin ang="16200000" scaled="0"/>
-        </a:gradFill>
-      </a:fillStyleLst>
-      <a:lnStyleLst>
-        <a:ln w="9525" cap="flat" cmpd="sng" algn="ctr">
-          <a:solidFill>
-            <a:schemeClr val="phClr">
-              <a:shade val="95000"/>
-              <a:satMod val="105000"/>
-            </a:schemeClr>
-          </a:solidFill>
-          <a:prstDash val="solid"/>
-        </a:ln>
-        <a:ln w="25400" cap="flat" cmpd="sng" algn="ctr">
-          <a:solidFill>
-            <a:schemeClr val="phClr"/>
-          </a:solidFill>
-          <a:prstDash val="solid"/>
-        </a:ln>
-        <a:ln w="38100" cap="flat" cmpd="sng" algn="ctr">
-          <a:solidFill>
-            <a:schemeClr val="phClr"/>
-          </a:solidFill>
-          <a:prstDash val="solid"/>
-        </a:ln>
-      </a:lnStyleLst>
-      <a:effectStyleLst>
-        <a:effectStyle>
-          <a:effectLst>
-            <a:outerShdw blurRad="40000" dist="20000" dir="5400000" rotWithShape="0">
-              <a:srgbClr val="000000">
-                <a:alpha val="38000"/>
-              </a:srgbClr>
-            </a:outerShdw>
-          </a:effectLst>
-        </a:effectStyle>
-        <a:effectStyle>
-          <a:effectLst>
-            <a:outerShdw blurRad="40000" dist="23000" dir="5400000" rotWithShape="0">
-              <a:srgbClr val="000000">
-                <a:alpha val="35000"/>
-              </a:srgbClr>
-            </a:outerShdw>
-          </a:effectLst>
-        </a:effectStyle>
-        <a:effectStyle>
-          <a:effectLst>
-            <a:outerShdw blurRad="40000" dist="23000" dir="5400000" rotWithShape="0">
-              <a:srgbClr val="000000">
-                <a:alpha val="35000"/>
-              </a:srgbClr>
-            </a:outerShdw>
-          </a:effectLst>
-          <a:scene3d>
-            <a:camera prst="orthographicFront">
-              <a:rot lat="0" lon="0" rev="0"/>
-            </a:camera>
-            <a:lightRig rig="threePt" dir="t">
-              <a:rot lat="0" lon="0" rev="1200000"/>
-            </a:lightRig>
-          </a:scene3d>
-          <a:sp3d>
-            <a:bevelT w="63500" h="25400"/>
-          </a:sp3d>
-        </a:effectStyle>
-      </a:effectStyleLst>
-      <a:bgFillStyleLst>
-        <a:solidFill>
-          <a:schemeClr val="phClr"/>
-        </a:solidFill>
-        <a:gradFill rotWithShape="1">
-          <a:gsLst>
-            <a:gs pos="0">
-              <a:schemeClr val="phClr">
-                <a:tint val="40000"/>
-                <a:satMod val="350000"/>
-              </a:schemeClr>
-            </a:gs>
-            <a:gs pos="40000">
-              <a:schemeClr val="phClr">
-                <a:tint val="45000"/>
-                <a:shade val="99000"/>
-                <a:satMod val="350000"/>
-              </a:schemeClr>
-            </a:gs>
-            <a:gs pos="100000">
-              <a:schemeClr val="phClr">
-                <a:shade val="20000"/>
-                <a:satMod val="255000"/>
-              </a:schemeClr>
-            </a:gs>
-          </a:gsLst>
-          <a:path path="circle">
-            <a:fillToRect l="50000" t="-80000" r="50000" b="180000"/>
-          </a:path>
-        </a:gradFill>
-        <a:gradFill rotWithShape="1">
-          <a:gsLst>
-            <a:gs pos="0">
-              <a:schemeClr val="phClr">
-                <a:tint val="80000"/>
-                <a:satMod val="300000"/>
-              </a:schemeClr>
-            </a:gs>
-            <a:gs pos="100000">
-              <a:schemeClr val="phClr">
-                <a:shade val="30000"/>
-                <a:satMod val="200000"/>
-              </a:schemeClr>
-            </a:gs>
-          </a:gsLst>
-          <a:path path="circle">
-            <a:fillToRect l="50000" t="50000" r="50000" b="50000"/>
-          </a:path>
-        </a:gradFill>
-      </a:bgFillStyleLst>
-    </a:fmtScheme>
-  </a:themeElements>
-</a:theme>
 </file>
--- a/Lightning Talk.pptx
+++ b/Lightning Talk.pptx
@@ -804,7 +804,7 @@
   <p:cSld>
     <p:spTree>
       <p:nvGrpSpPr>
-        <p:cNvPr id="120" name="Shape 120"/>
+        <p:cNvPr id="121" name="Shape 121"/>
         <p:cNvGrpSpPr/>
         <p:nvPr/>
       </p:nvGrpSpPr>
@@ -818,7 +818,7 @@
       </p:grpSpPr>
       <p:sp>
         <p:nvSpPr>
-          <p:cNvPr id="121" name="Shape 121"/>
+          <p:cNvPr id="122" name="Shape 122"/>
           <p:cNvSpPr/>
           <p:nvPr>
             <p:ph idx="2" type="sldImg"/>
@@ -852,7 +852,7 @@
       </p:sp>
       <p:sp>
         <p:nvSpPr>
-          <p:cNvPr id="122" name="Shape 122"/>
+          <p:cNvPr id="123" name="Shape 123"/>
           <p:cNvSpPr txBox="1"/>
           <p:nvPr>
             <p:ph idx="1" type="body"/>
@@ -1490,7 +1490,7 @@
   <p:cSld>
     <p:spTree>
       <p:nvGrpSpPr>
-        <p:cNvPr id="102" name="Shape 102"/>
+        <p:cNvPr id="103" name="Shape 103"/>
         <p:cNvGrpSpPr/>
         <p:nvPr/>
       </p:nvGrpSpPr>
@@ -1504,7 +1504,7 @@
       </p:grpSpPr>
       <p:sp>
         <p:nvSpPr>
-          <p:cNvPr id="103" name="Shape 103"/>
+          <p:cNvPr id="104" name="Shape 104"/>
           <p:cNvSpPr/>
           <p:nvPr>
             <p:ph idx="2" type="sldImg"/>
@@ -1538,7 +1538,7 @@
       </p:sp>
       <p:sp>
         <p:nvSpPr>
-          <p:cNvPr id="104" name="Shape 104"/>
+          <p:cNvPr id="105" name="Shape 105"/>
           <p:cNvSpPr txBox="1"/>
           <p:nvPr>
             <p:ph idx="1" type="body"/>
@@ -1588,7 +1588,7 @@
   <p:cSld>
     <p:spTree>
       <p:nvGrpSpPr>
-        <p:cNvPr id="109" name="Shape 109"/>
+        <p:cNvPr id="110" name="Shape 110"/>
         <p:cNvGrpSpPr/>
         <p:nvPr/>
       </p:nvGrpSpPr>
@@ -1602,7 +1602,7 @@
       </p:grpSpPr>
       <p:sp>
         <p:nvSpPr>
-          <p:cNvPr id="110" name="Shape 110"/>
+          <p:cNvPr id="111" name="Shape 111"/>
           <p:cNvSpPr/>
           <p:nvPr>
             <p:ph idx="2" type="sldImg"/>
@@ -1636,7 +1636,7 @@
       </p:sp>
       <p:sp>
         <p:nvSpPr>
-          <p:cNvPr id="111" name="Shape 111"/>
+          <p:cNvPr id="112" name="Shape 112"/>
           <p:cNvSpPr txBox="1"/>
           <p:nvPr>
             <p:ph idx="1" type="body"/>
@@ -7099,7 +7099,7 @@
   <p:cSld>
     <p:spTree>
       <p:nvGrpSpPr>
-        <p:cNvPr id="123" name="Shape 123"/>
+        <p:cNvPr id="124" name="Shape 124"/>
         <p:cNvGrpSpPr/>
         <p:nvPr/>
       </p:nvGrpSpPr>
@@ -7113,7 +7113,7 @@
       </p:grpSpPr>
       <p:sp>
         <p:nvSpPr>
-          <p:cNvPr id="124" name="Shape 124"/>
+          <p:cNvPr id="125" name="Shape 125"/>
           <p:cNvSpPr txBox="1"/>
           <p:nvPr>
             <p:ph type="title"/>
@@ -7153,7 +7153,7 @@
       </p:sp>
       <p:sp>
         <p:nvSpPr>
-          <p:cNvPr id="125" name="Shape 125"/>
+          <p:cNvPr id="126" name="Shape 126"/>
           <p:cNvSpPr txBox="1"/>
           <p:nvPr>
             <p:ph idx="1" type="body"/>
@@ -8626,10 +8626,18 @@
               <a:buNone/>
             </a:pPr>
             <a:r>
-              <a:rPr lang="en"/>
+              <a:rPr lang="en">
+                <a:solidFill>
+                  <a:srgbClr val="1155CC"/>
+                </a:solidFill>
+              </a:rPr>
               <a:t>Props </a:t>
             </a:r>
-            <a:endParaRPr/>
+            <a:endParaRPr>
+              <a:solidFill>
+                <a:srgbClr val="1155CC"/>
+              </a:solidFill>
+            </a:endParaRPr>
           </a:p>
         </p:txBody>
       </p:sp>
@@ -8643,8 +8651,8 @@
         </p:nvSpPr>
         <p:spPr>
           <a:xfrm>
-            <a:off x="311700" y="1152475"/>
-            <a:ext cx="4260300" cy="3416400"/>
+            <a:off x="4883650" y="2411250"/>
+            <a:ext cx="3195900" cy="2610300"/>
           </a:xfrm>
           <a:prstGeom prst="rect">
             <a:avLst/>
@@ -8696,7 +8704,7 @@
             </a:pPr>
             <a:r>
               <a:rPr lang="en" sz="1800"/>
-              <a:t>A prop lets you create a single component that is used in many different places in the application whereby data flows from the parent to child component.</a:t>
+              <a:t>A prop lets you create a single component that is used in many different places in the application.</a:t>
             </a:r>
             <a:endParaRPr sz="1800"/>
           </a:p>
@@ -8718,8 +8726,36 @@
         </p:blipFill>
         <p:spPr>
           <a:xfrm>
-            <a:off x="4572000" y="1048141"/>
-            <a:ext cx="4419601" cy="3537534"/>
+            <a:off x="4602125" y="113975"/>
+            <a:ext cx="4363576" cy="2167397"/>
+          </a:xfrm>
+          <a:prstGeom prst="rect">
+            <a:avLst/>
+          </a:prstGeom>
+          <a:noFill/>
+          <a:ln>
+            <a:noFill/>
+          </a:ln>
+        </p:spPr>
+      </p:pic>
+      <p:pic>
+        <p:nvPicPr>
+          <p:cNvPr id="102" name="Shape 102"/>
+          <p:cNvPicPr preferRelativeResize="0"/>
+          <p:nvPr/>
+        </p:nvPicPr>
+        <p:blipFill>
+          <a:blip r:embed="rId4">
+            <a:alphaModFix/>
+          </a:blip>
+          <a:stretch>
+            <a:fillRect/>
+          </a:stretch>
+        </p:blipFill>
+        <p:spPr>
+          <a:xfrm>
+            <a:off x="147125" y="1017725"/>
+            <a:ext cx="4363586" cy="3986075"/>
           </a:xfrm>
           <a:prstGeom prst="rect">
             <a:avLst/>
@@ -8743,7 +8779,7 @@
   <p:cSld>
     <p:spTree>
       <p:nvGrpSpPr>
-        <p:cNvPr id="105" name="Shape 105"/>
+        <p:cNvPr id="106" name="Shape 106"/>
         <p:cNvGrpSpPr/>
         <p:nvPr/>
       </p:nvGrpSpPr>
@@ -8757,7 +8793,7 @@
       </p:grpSpPr>
       <p:sp>
         <p:nvSpPr>
-          <p:cNvPr id="106" name="Shape 106"/>
+          <p:cNvPr id="107" name="Shape 107"/>
           <p:cNvSpPr txBox="1"/>
           <p:nvPr>
             <p:ph type="title"/>
@@ -8797,7 +8833,7 @@
       </p:sp>
       <p:sp>
         <p:nvSpPr>
-          <p:cNvPr id="107" name="Shape 107"/>
+          <p:cNvPr id="108" name="Shape 108"/>
           <p:cNvSpPr txBox="1"/>
           <p:nvPr>
             <p:ph idx="1" type="body"/>
@@ -8863,7 +8899,7 @@
       </p:sp>
       <p:pic>
         <p:nvPicPr>
-          <p:cNvPr id="108" name="Shape 108"/>
+          <p:cNvPr id="109" name="Shape 109"/>
           <p:cNvPicPr preferRelativeResize="0"/>
           <p:nvPr/>
         </p:nvPicPr>
@@ -8902,7 +8938,7 @@
   <p:cSld>
     <p:spTree>
       <p:nvGrpSpPr>
-        <p:cNvPr id="112" name="Shape 112"/>
+        <p:cNvPr id="113" name="Shape 113"/>
         <p:cNvGrpSpPr/>
         <p:nvPr/>
       </p:nvGrpSpPr>
@@ -8916,7 +8952,7 @@
       </p:grpSpPr>
       <p:sp>
         <p:nvSpPr>
-          <p:cNvPr id="113" name="Shape 113"/>
+          <p:cNvPr id="114" name="Shape 114"/>
           <p:cNvSpPr txBox="1"/>
           <p:nvPr>
             <p:ph type="title"/>
@@ -8956,7 +8992,7 @@
       </p:sp>
       <p:pic>
         <p:nvPicPr>
-          <p:cNvPr id="114" name="Shape 114"/>
+          <p:cNvPr id="115" name="Shape 115"/>
           <p:cNvPicPr preferRelativeResize="0"/>
           <p:nvPr/>
         </p:nvPicPr>
@@ -8984,7 +9020,7 @@
       </p:pic>
       <p:pic>
         <p:nvPicPr>
-          <p:cNvPr id="115" name="Shape 115"/>
+          <p:cNvPr id="116" name="Shape 116"/>
           <p:cNvPicPr preferRelativeResize="0"/>
           <p:nvPr/>
         </p:nvPicPr>
@@ -9012,7 +9048,7 @@
       </p:pic>
       <p:pic>
         <p:nvPicPr>
-          <p:cNvPr id="116" name="Shape 116"/>
+          <p:cNvPr id="117" name="Shape 117"/>
           <p:cNvPicPr preferRelativeResize="0"/>
           <p:nvPr/>
         </p:nvPicPr>
@@ -9040,7 +9076,7 @@
       </p:pic>
       <p:pic>
         <p:nvPicPr>
-          <p:cNvPr id="117" name="Shape 117"/>
+          <p:cNvPr id="118" name="Shape 118"/>
           <p:cNvPicPr preferRelativeResize="0"/>
           <p:nvPr/>
         </p:nvPicPr>
@@ -9068,7 +9104,7 @@
       </p:pic>
       <p:pic>
         <p:nvPicPr>
-          <p:cNvPr id="118" name="Shape 118"/>
+          <p:cNvPr id="119" name="Shape 119"/>
           <p:cNvPicPr preferRelativeResize="0"/>
           <p:nvPr/>
         </p:nvPicPr>
@@ -9096,7 +9132,7 @@
       </p:pic>
       <p:pic>
         <p:nvPicPr>
-          <p:cNvPr id="119" name="Shape 119"/>
+          <p:cNvPr id="120" name="Shape 120"/>
           <p:cNvPicPr preferRelativeResize="0"/>
           <p:nvPr/>
         </p:nvPicPr>
@@ -9131,6 +9167,285 @@
 </file>
 
 <file path=ppt/theme/theme1.xml><?xml version="1.0" encoding="utf-8"?>
+<a:theme xmlns:a="http://schemas.openxmlformats.org/drawingml/2006/main" xmlns:r="http://schemas.openxmlformats.org/officeDocument/2006/relationships" name="Spearmint">
+  <a:themeElements>
+    <a:clrScheme name="Spearmint">
+      <a:dk1>
+        <a:srgbClr val="202729"/>
+      </a:dk1>
+      <a:lt1>
+        <a:srgbClr val="FFFFFF"/>
+      </a:lt1>
+      <a:dk2>
+        <a:srgbClr val="4BA173"/>
+      </a:dk2>
+      <a:lt2>
+        <a:srgbClr val="63D297"/>
+      </a:lt2>
+      <a:accent1>
+        <a:srgbClr val="353744"/>
+      </a:accent1>
+      <a:accent2>
+        <a:srgbClr val="424242"/>
+      </a:accent2>
+      <a:accent3>
+        <a:srgbClr val="616161"/>
+      </a:accent3>
+      <a:accent4>
+        <a:srgbClr val="999999"/>
+      </a:accent4>
+      <a:accent5>
+        <a:srgbClr val="FF5252"/>
+      </a:accent5>
+      <a:accent6>
+        <a:srgbClr val="FFF176"/>
+      </a:accent6>
+      <a:hlink>
+        <a:srgbClr val="FF5252"/>
+      </a:hlink>
+      <a:folHlink>
+        <a:srgbClr val="FF5252"/>
+      </a:folHlink>
+    </a:clrScheme>
+    <a:fontScheme name="Office">
+      <a:majorFont>
+        <a:latin typeface="Arial"/>
+        <a:ea typeface=""/>
+        <a:cs typeface=""/>
+        <a:font script="Jpan" typeface="ＭＳ Ｐゴシック"/>
+        <a:font script="Hang" typeface="맑은 고딕"/>
+        <a:font script="Hans" typeface="宋体"/>
+        <a:font script="Hant" typeface="新細明體"/>
+        <a:font script="Arab" typeface="Times New Roman"/>
+        <a:font script="Hebr" typeface="Times New Roman"/>
+        <a:font script="Thai" typeface="Angsana New"/>
+        <a:font script="Ethi" typeface="Nyala"/>
+        <a:font script="Beng" typeface="Vrinda"/>
+        <a:font script="Gujr" typeface="Shruti"/>
+        <a:font script="Khmr" typeface="MoolBoran"/>
+        <a:font script="Knda" typeface="Tunga"/>
+        <a:font script="Guru" typeface="Raavi"/>
+        <a:font script="Cans" typeface="Euphemia"/>
+        <a:font script="Cher" typeface="Plantagenet Cherokee"/>
+        <a:font script="Yiii" typeface="Microsoft Yi Baiti"/>
+        <a:font script="Tibt" typeface="Microsoft Himalaya"/>
+        <a:font script="Thaa" typeface="MV Boli"/>
+        <a:font script="Deva" typeface="Mangal"/>
+        <a:font script="Telu" typeface="Gautami"/>
+        <a:font script="Taml" typeface="Latha"/>
+        <a:font script="Syrc" typeface="Estrangelo Edessa"/>
+        <a:font script="Orya" typeface="Kalinga"/>
+        <a:font script="Mlym" typeface="Kartika"/>
+        <a:font script="Laoo" typeface="DokChampa"/>
+        <a:font script="Sinh" typeface="Iskoola Pota"/>
+        <a:font script="Mong" typeface="Mongolian Baiti"/>
+        <a:font script="Viet" typeface="Times New Roman"/>
+        <a:font script="Uigh" typeface="Microsoft Uighur"/>
+        <a:font script="Geor" typeface="Sylfaen"/>
+      </a:majorFont>
+      <a:minorFont>
+        <a:latin typeface="Arial"/>
+        <a:ea typeface=""/>
+        <a:cs typeface=""/>
+        <a:font script="Jpan" typeface="ＭＳ Ｐゴシック"/>
+        <a:font script="Hang" typeface="맑은 고딕"/>
+        <a:font script="Hans" typeface="宋体"/>
+        <a:font script="Hant" typeface="新細明體"/>
+        <a:font script="Arab" typeface="Arial"/>
+        <a:font script="Hebr" typeface="Arial"/>
+        <a:font script="Thai" typeface="Cordia New"/>
+        <a:font script="Ethi" typeface="Nyala"/>
+        <a:font script="Beng" typeface="Vrinda"/>
+        <a:font script="Gujr" typeface="Shruti"/>
+        <a:font script="Khmr" typeface="DaunPenh"/>
+        <a:font script="Knda" typeface="Tunga"/>
+        <a:font script="Guru" typeface="Raavi"/>
+        <a:font script="Cans" typeface="Euphemia"/>
+        <a:font script="Cher" typeface="Plantagenet Cherokee"/>
+        <a:font script="Yiii" typeface="Microsoft Yi Baiti"/>
+        <a:font script="Tibt" typeface="Microsoft Himalaya"/>
+        <a:font script="Thaa" typeface="MV Boli"/>
+        <a:font script="Deva" typeface="Mangal"/>
+        <a:font script="Telu" typeface="Gautami"/>
+        <a:font script="Taml" typeface="Latha"/>
+        <a:font script="Syrc" typeface="Estrangelo Edessa"/>
+        <a:font script="Orya" typeface="Kalinga"/>
+        <a:font script="Mlym" typeface="Kartika"/>
+        <a:font script="Laoo" typeface="DokChampa"/>
+        <a:font script="Sinh" typeface="Iskoola Pota"/>
+        <a:font script="Mong" typeface="Mongolian Baiti"/>
+        <a:font script="Viet" typeface="Arial"/>
+        <a:font script="Uigh" typeface="Microsoft Uighur"/>
+        <a:font script="Geor" typeface="Sylfaen"/>
+      </a:minorFont>
+    </a:fontScheme>
+    <a:fmtScheme name="Office">
+      <a:fillStyleLst>
+        <a:solidFill>
+          <a:schemeClr val="phClr"/>
+        </a:solidFill>
+        <a:gradFill rotWithShape="1">
+          <a:gsLst>
+            <a:gs pos="0">
+              <a:schemeClr val="phClr">
+                <a:tint val="50000"/>
+                <a:satMod val="300000"/>
+              </a:schemeClr>
+            </a:gs>
+            <a:gs pos="35000">
+              <a:schemeClr val="phClr">
+                <a:tint val="37000"/>
+                <a:satMod val="300000"/>
+              </a:schemeClr>
+            </a:gs>
+            <a:gs pos="100000">
+              <a:schemeClr val="phClr">
+                <a:tint val="15000"/>
+                <a:satMod val="350000"/>
+              </a:schemeClr>
+            </a:gs>
+          </a:gsLst>
+          <a:lin ang="16200000" scaled="1"/>
+        </a:gradFill>
+        <a:gradFill rotWithShape="1">
+          <a:gsLst>
+            <a:gs pos="0">
+              <a:schemeClr val="phClr">
+                <a:tint val="100000"/>
+                <a:shade val="100000"/>
+                <a:satMod val="130000"/>
+              </a:schemeClr>
+            </a:gs>
+            <a:gs pos="100000">
+              <a:schemeClr val="phClr">
+                <a:tint val="50000"/>
+                <a:shade val="100000"/>
+                <a:satMod val="350000"/>
+              </a:schemeClr>
+            </a:gs>
+          </a:gsLst>
+          <a:lin ang="16200000" scaled="0"/>
+        </a:gradFill>
+      </a:fillStyleLst>
+      <a:lnStyleLst>
+        <a:ln w="9525" cap="flat" cmpd="sng" algn="ctr">
+          <a:solidFill>
+            <a:schemeClr val="phClr">
+              <a:shade val="95000"/>
+              <a:satMod val="105000"/>
+            </a:schemeClr>
+          </a:solidFill>
+          <a:prstDash val="solid"/>
+        </a:ln>
+        <a:ln w="25400" cap="flat" cmpd="sng" algn="ctr">
+          <a:solidFill>
+            <a:schemeClr val="phClr"/>
+          </a:solidFill>
+          <a:prstDash val="solid"/>
+        </a:ln>
+        <a:ln w="38100" cap="flat" cmpd="sng" algn="ctr">
+          <a:solidFill>
+            <a:schemeClr val="phClr"/>
+          </a:solidFill>
+          <a:prstDash val="solid"/>
+        </a:ln>
+      </a:lnStyleLst>
+      <a:effectStyleLst>
+        <a:effectStyle>
+          <a:effectLst>
+            <a:outerShdw blurRad="40000" dist="20000" dir="5400000" rotWithShape="0">
+              <a:srgbClr val="000000">
+                <a:alpha val="38000"/>
+              </a:srgbClr>
+            </a:outerShdw>
+          </a:effectLst>
+        </a:effectStyle>
+        <a:effectStyle>
+          <a:effectLst>
+            <a:outerShdw blurRad="40000" dist="23000" dir="5400000" rotWithShape="0">
+              <a:srgbClr val="000000">
+                <a:alpha val="35000"/>
+              </a:srgbClr>
+            </a:outerShdw>
+          </a:effectLst>
+        </a:effectStyle>
+        <a:effectStyle>
+          <a:effectLst>
+            <a:outerShdw blurRad="40000" dist="23000" dir="5400000" rotWithShape="0">
+              <a:srgbClr val="000000">
+                <a:alpha val="35000"/>
+              </a:srgbClr>
+            </a:outerShdw>
+          </a:effectLst>
+          <a:scene3d>
+            <a:camera prst="orthographicFront">
+              <a:rot lat="0" lon="0" rev="0"/>
+            </a:camera>
+            <a:lightRig rig="threePt" dir="t">
+              <a:rot lat="0" lon="0" rev="1200000"/>
+            </a:lightRig>
+          </a:scene3d>
+          <a:sp3d>
+            <a:bevelT w="63500" h="25400"/>
+          </a:sp3d>
+        </a:effectStyle>
+      </a:effectStyleLst>
+      <a:bgFillStyleLst>
+        <a:solidFill>
+          <a:schemeClr val="phClr"/>
+        </a:solidFill>
+        <a:gradFill rotWithShape="1">
+          <a:gsLst>
+            <a:gs pos="0">
+              <a:schemeClr val="phClr">
+                <a:tint val="40000"/>
+                <a:satMod val="350000"/>
+              </a:schemeClr>
+            </a:gs>
+            <a:gs pos="40000">
+              <a:schemeClr val="phClr">
+                <a:tint val="45000"/>
+                <a:shade val="99000"/>
+                <a:satMod val="350000"/>
+              </a:schemeClr>
+            </a:gs>
+            <a:gs pos="100000">
+              <a:schemeClr val="phClr">
+                <a:shade val="20000"/>
+                <a:satMod val="255000"/>
+              </a:schemeClr>
+            </a:gs>
+          </a:gsLst>
+          <a:path path="circle">
+            <a:fillToRect l="50000" t="-80000" r="50000" b="180000"/>
+          </a:path>
+        </a:gradFill>
+        <a:gradFill rotWithShape="1">
+          <a:gsLst>
+            <a:gs pos="0">
+              <a:schemeClr val="phClr">
+                <a:tint val="80000"/>
+                <a:satMod val="300000"/>
+              </a:schemeClr>
+            </a:gs>
+            <a:gs pos="100000">
+              <a:schemeClr val="phClr">
+                <a:shade val="30000"/>
+                <a:satMod val="200000"/>
+              </a:schemeClr>
+            </a:gs>
+          </a:gsLst>
+          <a:path path="circle">
+            <a:fillToRect l="50000" t="50000" r="50000" b="50000"/>
+          </a:path>
+        </a:gradFill>
+      </a:bgFillStyleLst>
+    </a:fmtScheme>
+  </a:themeElements>
+</a:theme>
+</file>
+
+<file path=ppt/theme/theme2.xml><?xml version="1.0" encoding="utf-8"?>
 <a:theme xmlns:a="http://schemas.openxmlformats.org/drawingml/2006/main" xmlns:r="http://schemas.openxmlformats.org/officeDocument/2006/relationships">
   <a:themeElements>
     <a:clrScheme name="Default">
@@ -9407,283 +9722,4 @@
     </a:fmtScheme>
   </a:themeElements>
 </a:theme>
-</file>
-
-<file path=ppt/theme/theme2.xml><?xml version="1.0" encoding="utf-8"?>
-<a:theme xmlns:a="http://schemas.openxmlformats.org/drawingml/2006/main" xmlns:r="http://schemas.openxmlformats.org/officeDocument/2006/relationships" name="Spearmint">
-  <a:themeElements>
-    <a:clrScheme name="Spearmint">
-      <a:dk1>
-        <a:srgbClr val="202729"/>
-      </a:dk1>
-      <a:lt1>
-        <a:srgbClr val="FFFFFF"/>
-      </a:lt1>
-      <a:dk2>
-        <a:srgbClr val="4BA173"/>
-      </a:dk2>
-      <a:lt2>
-        <a:srgbClr val="63D297"/>
-      </a:lt2>
-      <a:accent1>
-        <a:srgbClr val="353744"/>
-      </a:accent1>
-      <a:accent2>
-        <a:srgbClr val="424242"/>
-      </a:accent2>
-      <a:accent3>
-        <a:srgbClr val="616161"/>
-      </a:accent3>
-      <a:accent4>
-        <a:srgbClr val="999999"/>
-      </a:accent4>
-      <a:accent5>
-        <a:srgbClr val="FF5252"/>
-      </a:accent5>
-      <a:accent6>
-        <a:srgbClr val="FFF176"/>
-      </a:accent6>
-      <a:hlink>
-        <a:srgbClr val="FF5252"/>
-      </a:hlink>
-      <a:folHlink>
-        <a:srgbClr val="FF5252"/>
-      </a:folHlink>
-    </a:clrScheme>
-    <a:fontScheme name="Office">
-      <a:majorFont>
-        <a:latin typeface="Arial"/>
-        <a:ea typeface=""/>
-        <a:cs typeface=""/>
-        <a:font script="Jpan" typeface="ＭＳ Ｐゴシック"/>
-        <a:font script="Hang" typeface="맑은 고딕"/>
-        <a:font script="Hans" typeface="宋体"/>
-        <a:font script="Hant" typeface="新細明體"/>
-        <a:font script="Arab" typeface="Times New Roman"/>
-        <a:font script="Hebr" typeface="Times New Roman"/>
-        <a:font script="Thai" typeface="Angsana New"/>
-        <a:font script="Ethi" typeface="Nyala"/>
-        <a:font script="Beng" typeface="Vrinda"/>
-        <a:font script="Gujr" typeface="Shruti"/>
-        <a:font script="Khmr" typeface="MoolBoran"/>
-        <a:font script="Knda" typeface="Tunga"/>
-        <a:font script="Guru" typeface="Raavi"/>
-        <a:font script="Cans" typeface="Euphemia"/>
-        <a:font script="Cher" typeface="Plantagenet Cherokee"/>
-        <a:font script="Yiii" typeface="Microsoft Yi Baiti"/>
-        <a:font script="Tibt" typeface="Microsoft Himalaya"/>
-        <a:font script="Thaa" typeface="MV Boli"/>
-        <a:font script="Deva" typeface="Mangal"/>
-        <a:font script="Telu" typeface="Gautami"/>
-        <a:font script="Taml" typeface="Latha"/>
-        <a:font script="Syrc" typeface="Estrangelo Edessa"/>
-        <a:font script="Orya" typeface="Kalinga"/>
-        <a:font script="Mlym" typeface="Kartika"/>
-        <a:font script="Laoo" typeface="DokChampa"/>
-        <a:font script="Sinh" typeface="Iskoola Pota"/>
-        <a:font script="Mong" typeface="Mongolian Baiti"/>
-        <a:font script="Viet" typeface="Times New Roman"/>
-        <a:font script="Uigh" typeface="Microsoft Uighur"/>
-        <a:font script="Geor" typeface="Sylfaen"/>
-      </a:majorFont>
-      <a:minorFont>
-        <a:latin typeface="Arial"/>
-        <a:ea typeface=""/>
-        <a:cs typeface=""/>
-        <a:font script="Jpan" typeface="ＭＳ Ｐゴシック"/>
-        <a:font script="Hang" typeface="맑은 고딕"/>
-        <a:font script="Hans" typeface="宋体"/>
-        <a:font script="Hant" typeface="新細明體"/>
-        <a:font script="Arab" typeface="Arial"/>
-        <a:font script="Hebr" typeface="Arial"/>
-        <a:font script="Thai" typeface="Cordia New"/>
-        <a:font script="Ethi" typeface="Nyala"/>
-        <a:font script="Beng" typeface="Vrinda"/>
-        <a:font script="Gujr" typeface="Shruti"/>
-        <a:font script="Khmr" typeface="DaunPenh"/>
-        <a:font script="Knda" typeface="Tunga"/>
-        <a:font script="Guru" typeface="Raavi"/>
-        <a:font script="Cans" typeface="Euphemia"/>
-        <a:font script="Cher" typeface="Plantagenet Cherokee"/>
-        <a:font script="Yiii" typeface="Microsoft Yi Baiti"/>
-        <a:font script="Tibt" typeface="Microsoft Himalaya"/>
-        <a:font script="Thaa" typeface="MV Boli"/>
-        <a:font script="Deva" typeface="Mangal"/>
-        <a:font script="Telu" typeface="Gautami"/>
-        <a:font script="Taml" typeface="Latha"/>
-        <a:font script="Syrc" typeface="Estrangelo Edessa"/>
-        <a:font script="Orya" typeface="Kalinga"/>
-        <a:font script="Mlym" typeface="Kartika"/>
-        <a:font script="Laoo" typeface="DokChampa"/>
-        <a:font script="Sinh" typeface="Iskoola Pota"/>
-        <a:font script="Mong" typeface="Mongolian Baiti"/>
-        <a:font script="Viet" typeface="Arial"/>
-        <a:font script="Uigh" typeface="Microsoft Uighur"/>
-        <a:font script="Geor" typeface="Sylfaen"/>
-      </a:minorFont>
-    </a:fontScheme>
-    <a:fmtScheme name="Office">
-      <a:fillStyleLst>
-        <a:solidFill>
-          <a:schemeClr val="phClr"/>
-        </a:solidFill>
-        <a:gradFill rotWithShape="1">
-          <a:gsLst>
-            <a:gs pos="0">
-              <a:schemeClr val="phClr">
-                <a:tint val="50000"/>
-                <a:satMod val="300000"/>
-              </a:schemeClr>
-            </a:gs>
-            <a:gs pos="35000">
-              <a:schemeClr val="phClr">
-                <a:tint val="37000"/>
-                <a:satMod val="300000"/>
-              </a:schemeClr>
-            </a:gs>
-            <a:gs pos="100000">
-              <a:schemeClr val="phClr">
-                <a:tint val="15000"/>
-                <a:satMod val="350000"/>
-              </a:schemeClr>
-            </a:gs>
-          </a:gsLst>
-          <a:lin ang="16200000" scaled="1"/>
-        </a:gradFill>
-        <a:gradFill rotWithShape="1">
-          <a:gsLst>
-            <a:gs pos="0">
-              <a:schemeClr val="phClr">
-                <a:tint val="100000"/>
-                <a:shade val="100000"/>
-                <a:satMod val="130000"/>
-              </a:schemeClr>
-            </a:gs>
-            <a:gs pos="100000">
-              <a:schemeClr val="phClr">
-                <a:tint val="50000"/>
-                <a:shade val="100000"/>
-                <a:satMod val="350000"/>
-              </a:schemeClr>
-            </a:gs>
-          </a:gsLst>
-          <a:lin ang="16200000" scaled="0"/>
-        </a:gradFill>
-      </a:fillStyleLst>
-      <a:lnStyleLst>
-        <a:ln w="9525" cap="flat" cmpd="sng" algn="ctr">
-          <a:solidFill>
-            <a:schemeClr val="phClr">
-              <a:shade val="95000"/>
-              <a:satMod val="105000"/>
-            </a:schemeClr>
-          </a:solidFill>
-          <a:prstDash val="solid"/>
-        </a:ln>
-        <a:ln w="25400" cap="flat" cmpd="sng" algn="ctr">
-          <a:solidFill>
-            <a:schemeClr val="phClr"/>
-          </a:solidFill>
-          <a:prstDash val="solid"/>
-        </a:ln>
-        <a:ln w="38100" cap="flat" cmpd="sng" algn="ctr">
-          <a:solidFill>
-            <a:schemeClr val="phClr"/>
-          </a:solidFill>
-          <a:prstDash val="solid"/>
-        </a:ln>
-      </a:lnStyleLst>
-      <a:effectStyleLst>
-        <a:effectStyle>
-          <a:effectLst>
-            <a:outerShdw blurRad="40000" dist="20000" dir="5400000" rotWithShape="0">
-              <a:srgbClr val="000000">
-                <a:alpha val="38000"/>
-              </a:srgbClr>
-            </a:outerShdw>
-          </a:effectLst>
-        </a:effectStyle>
-        <a:effectStyle>
-          <a:effectLst>
-            <a:outerShdw blurRad="40000" dist="23000" dir="5400000" rotWithShape="0">
-              <a:srgbClr val="000000">
-                <a:alpha val="35000"/>
-              </a:srgbClr>
-            </a:outerShdw>
-          </a:effectLst>
-        </a:effectStyle>
-        <a:effectStyle>
-          <a:effectLst>
-            <a:outerShdw blurRad="40000" dist="23000" dir="5400000" rotWithShape="0">
-              <a:srgbClr val="000000">
-                <a:alpha val="35000"/>
-              </a:srgbClr>
-            </a:outerShdw>
-          </a:effectLst>
-          <a:scene3d>
-            <a:camera prst="orthographicFront">
-              <a:rot lat="0" lon="0" rev="0"/>
-            </a:camera>
-            <a:lightRig rig="threePt" dir="t">
-              <a:rot lat="0" lon="0" rev="1200000"/>
-            </a:lightRig>
-          </a:scene3d>
-          <a:sp3d>
-            <a:bevelT w="63500" h="25400"/>
-          </a:sp3d>
-        </a:effectStyle>
-      </a:effectStyleLst>
-      <a:bgFillStyleLst>
-        <a:solidFill>
-          <a:schemeClr val="phClr"/>
-        </a:solidFill>
-        <a:gradFill rotWithShape="1">
-          <a:gsLst>
-            <a:gs pos="0">
-              <a:schemeClr val="phClr">
-                <a:tint val="40000"/>
-                <a:satMod val="350000"/>
-              </a:schemeClr>
-            </a:gs>
-            <a:gs pos="40000">
-              <a:schemeClr val="phClr">
-                <a:tint val="45000"/>
-                <a:shade val="99000"/>
-                <a:satMod val="350000"/>
-              </a:schemeClr>
-            </a:gs>
-            <a:gs pos="100000">
-              <a:schemeClr val="phClr">
-                <a:shade val="20000"/>
-                <a:satMod val="255000"/>
-              </a:schemeClr>
-            </a:gs>
-          </a:gsLst>
-          <a:path path="circle">
-            <a:fillToRect l="50000" t="-80000" r="50000" b="180000"/>
-          </a:path>
-        </a:gradFill>
-        <a:gradFill rotWithShape="1">
-          <a:gsLst>
-            <a:gs pos="0">
-              <a:schemeClr val="phClr">
-                <a:tint val="80000"/>
-                <a:satMod val="300000"/>
-              </a:schemeClr>
-            </a:gs>
-            <a:gs pos="100000">
-              <a:schemeClr val="phClr">
-                <a:shade val="30000"/>
-                <a:satMod val="200000"/>
-              </a:schemeClr>
-            </a:gs>
-          </a:gsLst>
-          <a:path path="circle">
-            <a:fillToRect l="50000" t="50000" r="50000" b="50000"/>
-          </a:path>
-        </a:gradFill>
-      </a:bgFillStyleLst>
-    </a:fmtScheme>
-  </a:themeElements>
-</a:theme>
 </file>
--- a/Lightning Talk.pptx
+++ b/Lightning Talk.pptx
@@ -7452,23 +7452,6 @@
             </a:r>
             <a:endParaRPr/>
           </a:p>
-          <a:p>
-            <a:pPr indent="-342900" lvl="0" marL="457200" rtl="0">
-              <a:spcBef>
-                <a:spcPts val="0"/>
-              </a:spcBef>
-              <a:spcAft>
-                <a:spcPts val="1600"/>
-              </a:spcAft>
-              <a:buSzPts val="1800"/>
-              <a:buChar char="●"/>
-            </a:pPr>
-            <a:r>
-              <a:rPr lang="en"/>
-              <a:t>Replaces HTML and CSS with JSX</a:t>
-            </a:r>
-            <a:endParaRPr/>
-          </a:p>
         </p:txBody>
       </p:sp>
     </p:spTree>

--- a/Lightning Talk.pptx
+++ b/Lightning Talk.pptx
@@ -7431,27 +7431,6 @@
             </a:r>
             <a:endParaRPr/>
           </a:p>
-          <a:p>
-            <a:pPr indent="-342900" lvl="0" marL="457200" rtl="0">
-              <a:spcBef>
-                <a:spcPts val="0"/>
-              </a:spcBef>
-              <a:spcAft>
-                <a:spcPts val="0"/>
-              </a:spcAft>
-              <a:buSzPts val="1800"/>
-              <a:buChar char="●"/>
-            </a:pPr>
-            <a:r>
-              <a:rPr lang="en"/>
-              <a:t>Using same UI building blocks as iOS and </a:t>
-            </a:r>
-            <a:r>
-              <a:rPr lang="en"/>
-              <a:t>android, just putting them together using React and Javascript.</a:t>
-            </a:r>
-            <a:endParaRPr/>
-          </a:p>
         </p:txBody>
       </p:sp>
     </p:spTree>
@@ -9150,6 +9129,285 @@
 </file>
 
 <file path=ppt/theme/theme1.xml><?xml version="1.0" encoding="utf-8"?>
+<a:theme xmlns:a="http://schemas.openxmlformats.org/drawingml/2006/main" xmlns:r="http://schemas.openxmlformats.org/officeDocument/2006/relationships">
+  <a:themeElements>
+    <a:clrScheme name="Default">
+      <a:dk1>
+        <a:srgbClr val="000000"/>
+      </a:dk1>
+      <a:lt1>
+        <a:srgbClr val="FFFFFF"/>
+      </a:lt1>
+      <a:dk2>
+        <a:srgbClr val="158158"/>
+      </a:dk2>
+      <a:lt2>
+        <a:srgbClr val="F3F3F3"/>
+      </a:lt2>
+      <a:accent1>
+        <a:srgbClr val="058DC7"/>
+      </a:accent1>
+      <a:accent2>
+        <a:srgbClr val="50B432"/>
+      </a:accent2>
+      <a:accent3>
+        <a:srgbClr val="ED561B"/>
+      </a:accent3>
+      <a:accent4>
+        <a:srgbClr val="EDEF00"/>
+      </a:accent4>
+      <a:accent5>
+        <a:srgbClr val="24CBE5"/>
+      </a:accent5>
+      <a:accent6>
+        <a:srgbClr val="64E572"/>
+      </a:accent6>
+      <a:hlink>
+        <a:srgbClr val="2200CC"/>
+      </a:hlink>
+      <a:folHlink>
+        <a:srgbClr val="551A8B"/>
+      </a:folHlink>
+    </a:clrScheme>
+    <a:fontScheme name="Office">
+      <a:majorFont>
+        <a:latin typeface="Arial"/>
+        <a:ea typeface=""/>
+        <a:cs typeface=""/>
+        <a:font script="Jpan" typeface="ＭＳ Ｐゴシック"/>
+        <a:font script="Hang" typeface="맑은 고딕"/>
+        <a:font script="Hans" typeface="宋体"/>
+        <a:font script="Hant" typeface="新細明體"/>
+        <a:font script="Arab" typeface="Times New Roman"/>
+        <a:font script="Hebr" typeface="Times New Roman"/>
+        <a:font script="Thai" typeface="Angsana New"/>
+        <a:font script="Ethi" typeface="Nyala"/>
+        <a:font script="Beng" typeface="Vrinda"/>
+        <a:font script="Gujr" typeface="Shruti"/>
+        <a:font script="Khmr" typeface="MoolBoran"/>
+        <a:font script="Knda" typeface="Tunga"/>
+        <a:font script="Guru" typeface="Raavi"/>
+        <a:font script="Cans" typeface="Euphemia"/>
+        <a:font script="Cher" typeface="Plantagenet Cherokee"/>
+        <a:font script="Yiii" typeface="Microsoft Yi Baiti"/>
+        <a:font script="Tibt" typeface="Microsoft Himalaya"/>
+        <a:font script="Thaa" typeface="MV Boli"/>
+        <a:font script="Deva" typeface="Mangal"/>
+        <a:font script="Telu" typeface="Gautami"/>
+        <a:font script="Taml" typeface="Latha"/>
+        <a:font script="Syrc" typeface="Estrangelo Edessa"/>
+        <a:font script="Orya" typeface="Kalinga"/>
+        <a:font script="Mlym" typeface="Kartika"/>
+        <a:font script="Laoo" typeface="DokChampa"/>
+        <a:font script="Sinh" typeface="Iskoola Pota"/>
+        <a:font script="Mong" typeface="Mongolian Baiti"/>
+        <a:font script="Viet" typeface="Times New Roman"/>
+        <a:font script="Uigh" typeface="Microsoft Uighur"/>
+        <a:font script="Geor" typeface="Sylfaen"/>
+      </a:majorFont>
+      <a:minorFont>
+        <a:latin typeface="Arial"/>
+        <a:ea typeface=""/>
+        <a:cs typeface=""/>
+        <a:font script="Jpan" typeface="ＭＳ Ｐゴシック"/>
+        <a:font script="Hang" typeface="맑은 고딕"/>
+        <a:font script="Hans" typeface="宋体"/>
+        <a:font script="Hant" typeface="新細明體"/>
+        <a:font script="Arab" typeface="Arial"/>
+        <a:font script="Hebr" typeface="Arial"/>
+        <a:font script="Thai" typeface="Cordia New"/>
+        <a:font script="Ethi" typeface="Nyala"/>
+        <a:font script="Beng" typeface="Vrinda"/>
+        <a:font script="Gujr" typeface="Shruti"/>
+        <a:font script="Khmr" typeface="DaunPenh"/>
+        <a:font script="Knda" typeface="Tunga"/>
+        <a:font script="Guru" typeface="Raavi"/>
+        <a:font script="Cans" typeface="Euphemia"/>
+        <a:font script="Cher" typeface="Plantagenet Cherokee"/>
+        <a:font script="Yiii" typeface="Microsoft Yi Baiti"/>
+        <a:font script="Tibt" typeface="Microsoft Himalaya"/>
+        <a:font script="Thaa" typeface="MV Boli"/>
+        <a:font script="Deva" typeface="Mangal"/>
+        <a:font script="Telu" typeface="Gautami"/>
+        <a:font script="Taml" typeface="Latha"/>
+        <a:font script="Syrc" typeface="Estrangelo Edessa"/>
+        <a:font script="Orya" typeface="Kalinga"/>
+        <a:font script="Mlym" typeface="Kartika"/>
+        <a:font script="Laoo" typeface="DokChampa"/>
+        <a:font script="Sinh" typeface="Iskoola Pota"/>
+        <a:font script="Mong" typeface="Mongolian Baiti"/>
+        <a:font script="Viet" typeface="Arial"/>
+        <a:font script="Uigh" typeface="Microsoft Uighur"/>
+        <a:font script="Geor" typeface="Sylfaen"/>
+      </a:minorFont>
+    </a:fontScheme>
+    <a:fmtScheme name="Office">
+      <a:fillStyleLst>
+        <a:solidFill>
+          <a:schemeClr val="phClr"/>
+        </a:solidFill>
+        <a:gradFill rotWithShape="1">
+          <a:gsLst>
+            <a:gs pos="0">
+              <a:schemeClr val="phClr">
+                <a:tint val="50000"/>
+                <a:satMod val="300000"/>
+              </a:schemeClr>
+            </a:gs>
+            <a:gs pos="35000">
+              <a:schemeClr val="phClr">
+                <a:tint val="37000"/>
+                <a:satMod val="300000"/>
+              </a:schemeClr>
+            </a:gs>
+            <a:gs pos="100000">
+              <a:schemeClr val="phClr">
+                <a:tint val="15000"/>
+                <a:satMod val="350000"/>
+              </a:schemeClr>
+            </a:gs>
+          </a:gsLst>
+          <a:lin ang="16200000" scaled="1"/>
+        </a:gradFill>
+        <a:gradFill rotWithShape="1">
+          <a:gsLst>
+            <a:gs pos="0">
+              <a:schemeClr val="phClr">
+                <a:tint val="100000"/>
+                <a:shade val="100000"/>
+                <a:satMod val="130000"/>
+              </a:schemeClr>
+            </a:gs>
+            <a:gs pos="100000">
+              <a:schemeClr val="phClr">
+                <a:tint val="50000"/>
+                <a:shade val="100000"/>
+                <a:satMod val="350000"/>
+              </a:schemeClr>
+            </a:gs>
+          </a:gsLst>
+          <a:lin ang="16200000" scaled="0"/>
+        </a:gradFill>
+      </a:fillStyleLst>
+      <a:lnStyleLst>
+        <a:ln w="9525" cap="flat" cmpd="sng" algn="ctr">
+          <a:solidFill>
+            <a:schemeClr val="phClr">
+              <a:shade val="95000"/>
+              <a:satMod val="105000"/>
+            </a:schemeClr>
+          </a:solidFill>
+          <a:prstDash val="solid"/>
+        </a:ln>
+        <a:ln w="25400" cap="flat" cmpd="sng" algn="ctr">
+          <a:solidFill>
+            <a:schemeClr val="phClr"/>
+          </a:solidFill>
+          <a:prstDash val="solid"/>
+        </a:ln>
+        <a:ln w="38100" cap="flat" cmpd="sng" algn="ctr">
+          <a:solidFill>
+            <a:schemeClr val="phClr"/>
+          </a:solidFill>
+          <a:prstDash val="solid"/>
+        </a:ln>
+      </a:lnStyleLst>
+      <a:effectStyleLst>
+        <a:effectStyle>
+          <a:effectLst>
+            <a:outerShdw blurRad="40000" dist="20000" dir="5400000" rotWithShape="0">
+              <a:srgbClr val="000000">
+                <a:alpha val="38000"/>
+              </a:srgbClr>
+            </a:outerShdw>
+          </a:effectLst>
+        </a:effectStyle>
+        <a:effectStyle>
+          <a:effectLst>
+            <a:outerShdw blurRad="40000" dist="23000" dir="5400000" rotWithShape="0">
+              <a:srgbClr val="000000">
+                <a:alpha val="35000"/>
+              </a:srgbClr>
+            </a:outerShdw>
+          </a:effectLst>
+        </a:effectStyle>
+        <a:effectStyle>
+          <a:effectLst>
+            <a:outerShdw blurRad="40000" dist="23000" dir="5400000" rotWithShape="0">
+              <a:srgbClr val="000000">
+                <a:alpha val="35000"/>
+              </a:srgbClr>
+            </a:outerShdw>
+          </a:effectLst>
+          <a:scene3d>
+            <a:camera prst="orthographicFront">
+              <a:rot lat="0" lon="0" rev="0"/>
+            </a:camera>
+            <a:lightRig rig="threePt" dir="t">
+              <a:rot lat="0" lon="0" rev="1200000"/>
+            </a:lightRig>
+          </a:scene3d>
+          <a:sp3d>
+            <a:bevelT w="63500" h="25400"/>
+          </a:sp3d>
+        </a:effectStyle>
+      </a:effectStyleLst>
+      <a:bgFillStyleLst>
+        <a:solidFill>
+          <a:schemeClr val="phClr"/>
+        </a:solidFill>
+        <a:gradFill rotWithShape="1">
+          <a:gsLst>
+            <a:gs pos="0">
+              <a:schemeClr val="phClr">
+                <a:tint val="40000"/>
+                <a:satMod val="350000"/>
+              </a:schemeClr>
+            </a:gs>
+            <a:gs pos="40000">
+              <a:schemeClr val="phClr">
+                <a:tint val="45000"/>
+                <a:shade val="99000"/>
+                <a:satMod val="350000"/>
+              </a:schemeClr>
+            </a:gs>
+            <a:gs pos="100000">
+              <a:schemeClr val="phClr">
+                <a:shade val="20000"/>
+                <a:satMod val="255000"/>
+              </a:schemeClr>
+            </a:gs>
+          </a:gsLst>
+          <a:path path="circle">
+            <a:fillToRect l="50000" t="-80000" r="50000" b="180000"/>
+          </a:path>
+        </a:gradFill>
+        <a:gradFill rotWithShape="1">
+          <a:gsLst>
+            <a:gs pos="0">
+              <a:schemeClr val="phClr">
+                <a:tint val="80000"/>
+                <a:satMod val="300000"/>
+              </a:schemeClr>
+            </a:gs>
+            <a:gs pos="100000">
+              <a:schemeClr val="phClr">
+                <a:shade val="30000"/>
+                <a:satMod val="200000"/>
+              </a:schemeClr>
+            </a:gs>
+          </a:gsLst>
+          <a:path path="circle">
+            <a:fillToRect l="50000" t="50000" r="50000" b="50000"/>
+          </a:path>
+        </a:gradFill>
+      </a:bgFillStyleLst>
+    </a:fmtScheme>
+  </a:themeElements>
+</a:theme>
+</file>
+
+<file path=ppt/theme/theme2.xml><?xml version="1.0" encoding="utf-8"?>
 <a:theme xmlns:a="http://schemas.openxmlformats.org/drawingml/2006/main" xmlns:r="http://schemas.openxmlformats.org/officeDocument/2006/relationships" name="Spearmint">
   <a:themeElements>
     <a:clrScheme name="Spearmint">
@@ -9426,283 +9684,4 @@
     </a:fmtScheme>
   </a:themeElements>
 </a:theme>
-</file>
-
-<file path=ppt/theme/theme2.xml><?xml version="1.0" encoding="utf-8"?>
-<a:theme xmlns:a="http://schemas.openxmlformats.org/drawingml/2006/main" xmlns:r="http://schemas.openxmlformats.org/officeDocument/2006/relationships">
-  <a:themeElements>
-    <a:clrScheme name="Default">
-      <a:dk1>
-        <a:srgbClr val="000000"/>
-      </a:dk1>
-      <a:lt1>
-        <a:srgbClr val="FFFFFF"/>
-      </a:lt1>
-      <a:dk2>
-        <a:srgbClr val="158158"/>
-      </a:dk2>
-      <a:lt2>
-        <a:srgbClr val="F3F3F3"/>
-      </a:lt2>
-      <a:accent1>
-        <a:srgbClr val="058DC7"/>
-      </a:accent1>
-      <a:accent2>
-        <a:srgbClr val="50B432"/>
-      </a:accent2>
-      <a:accent3>
-        <a:srgbClr val="ED561B"/>
-      </a:accent3>
-      <a:accent4>
-        <a:srgbClr val="EDEF00"/>
-      </a:accent4>
-      <a:accent5>
-        <a:srgbClr val="24CBE5"/>
-      </a:accent5>
-      <a:accent6>
-        <a:srgbClr val="64E572"/>
-      </a:accent6>
-      <a:hlink>
-        <a:srgbClr val="2200CC"/>
-      </a:hlink>
-      <a:folHlink>
-        <a:srgbClr val="551A8B"/>
-      </a:folHlink>
-    </a:clrScheme>
-    <a:fontScheme name="Office">
-      <a:majorFont>
-        <a:latin typeface="Arial"/>
-        <a:ea typeface=""/>
-        <a:cs typeface=""/>
-        <a:font script="Jpan" typeface="ＭＳ Ｐゴシック"/>
-        <a:font script="Hang" typeface="맑은 고딕"/>
-        <a:font script="Hans" typeface="宋体"/>
-        <a:font script="Hant" typeface="新細明體"/>
-        <a:font script="Arab" typeface="Times New Roman"/>
-        <a:font script="Hebr" typeface="Times New Roman"/>
-        <a:font script="Thai" typeface="Angsana New"/>
-        <a:font script="Ethi" typeface="Nyala"/>
-        <a:font script="Beng" typeface="Vrinda"/>
-        <a:font script="Gujr" typeface="Shruti"/>
-        <a:font script="Khmr" typeface="MoolBoran"/>
-        <a:font script="Knda" typeface="Tunga"/>
-        <a:font script="Guru" typeface="Raavi"/>
-        <a:font script="Cans" typeface="Euphemia"/>
-        <a:font script="Cher" typeface="Plantagenet Cherokee"/>
-        <a:font script="Yiii" typeface="Microsoft Yi Baiti"/>
-        <a:font script="Tibt" typeface="Microsoft Himalaya"/>
-        <a:font script="Thaa" typeface="MV Boli"/>
-        <a:font script="Deva" typeface="Mangal"/>
-        <a:font script="Telu" typeface="Gautami"/>
-        <a:font script="Taml" typeface="Latha"/>
-        <a:font script="Syrc" typeface="Estrangelo Edessa"/>
-        <a:font script="Orya" typeface="Kalinga"/>
-        <a:font script="Mlym" typeface="Kartika"/>
-        <a:font script="Laoo" typeface="DokChampa"/>
-        <a:font script="Sinh" typeface="Iskoola Pota"/>
-        <a:font script="Mong" typeface="Mongolian Baiti"/>
-        <a:font script="Viet" typeface="Times New Roman"/>
-        <a:font script="Uigh" typeface="Microsoft Uighur"/>
-        <a:font script="Geor" typeface="Sylfaen"/>
-      </a:majorFont>
-      <a:minorFont>
-        <a:latin typeface="Arial"/>
-        <a:ea typeface=""/>
-        <a:cs typeface=""/>
-        <a:font script="Jpan" typeface="ＭＳ Ｐゴシック"/>
-        <a:font script="Hang" typeface="맑은 고딕"/>
-        <a:font script="Hans" typeface="宋体"/>
-        <a:font script="Hant" typeface="新細明體"/>
-        <a:font script="Arab" typeface="Arial"/>
-        <a:font script="Hebr" typeface="Arial"/>
-        <a:font script="Thai" typeface="Cordia New"/>
-        <a:font script="Ethi" typeface="Nyala"/>
-        <a:font script="Beng" typeface="Vrinda"/>
-        <a:font script="Gujr" typeface="Shruti"/>
-        <a:font script="Khmr" typeface="DaunPenh"/>
-        <a:font script="Knda" typeface="Tunga"/>
-        <a:font script="Guru" typeface="Raavi"/>
-        <a:font script="Cans" typeface="Euphemia"/>
-        <a:font script="Cher" typeface="Plantagenet Cherokee"/>
-        <a:font script="Yiii" typeface="Microsoft Yi Baiti"/>
-        <a:font script="Tibt" typeface="Microsoft Himalaya"/>
-        <a:font script="Thaa" typeface="MV Boli"/>
-        <a:font script="Deva" typeface="Mangal"/>
-        <a:font script="Telu" typeface="Gautami"/>
-        <a:font script="Taml" typeface="Latha"/>
-        <a:font script="Syrc" typeface="Estrangelo Edessa"/>
-        <a:font script="Orya" typeface="Kalinga"/>
-        <a:font script="Mlym" typeface="Kartika"/>
-        <a:font script="Laoo" typeface="DokChampa"/>
-        <a:font script="Sinh" typeface="Iskoola Pota"/>
-        <a:font script="Mong" typeface="Mongolian Baiti"/>
-        <a:font script="Viet" typeface="Arial"/>
-        <a:font script="Uigh" typeface="Microsoft Uighur"/>
-        <a:font script="Geor" typeface="Sylfaen"/>
-      </a:minorFont>
-    </a:fontScheme>
-    <a:fmtScheme name="Office">
-      <a:fillStyleLst>
-        <a:solidFill>
-          <a:schemeClr val="phClr"/>
-        </a:solidFill>
-        <a:gradFill rotWithShape="1">
-          <a:gsLst>
-            <a:gs pos="0">
-              <a:schemeClr val="phClr">
-                <a:tint val="50000"/>
-                <a:satMod val="300000"/>
-              </a:schemeClr>
-            </a:gs>
-            <a:gs pos="35000">
-              <a:schemeClr val="phClr">
-                <a:tint val="37000"/>
-                <a:satMod val="300000"/>
-              </a:schemeClr>
-            </a:gs>
-            <a:gs pos="100000">
-              <a:schemeClr val="phClr">
-                <a:tint val="15000"/>
-                <a:satMod val="350000"/>
-              </a:schemeClr>
-            </a:gs>
-          </a:gsLst>
-          <a:lin ang="16200000" scaled="1"/>
-        </a:gradFill>
-        <a:gradFill rotWithShape="1">
-          <a:gsLst>
-            <a:gs pos="0">
-              <a:schemeClr val="phClr">
-                <a:tint val="100000"/>
-                <a:shade val="100000"/>
-                <a:satMod val="130000"/>
-              </a:schemeClr>
-            </a:gs>
-            <a:gs pos="100000">
-              <a:schemeClr val="phClr">
-                <a:tint val="50000"/>
-                <a:shade val="100000"/>
-                <a:satMod val="350000"/>
-              </a:schemeClr>
-            </a:gs>
-          </a:gsLst>
-          <a:lin ang="16200000" scaled="0"/>
-        </a:gradFill>
-      </a:fillStyleLst>
-      <a:lnStyleLst>
-        <a:ln w="9525" cap="flat" cmpd="sng" algn="ctr">
-          <a:solidFill>
-            <a:schemeClr val="phClr">
-              <a:shade val="95000"/>
-              <a:satMod val="105000"/>
-            </a:schemeClr>
-          </a:solidFill>
-          <a:prstDash val="solid"/>
-        </a:ln>
-        <a:ln w="25400" cap="flat" cmpd="sng" algn="ctr">
-          <a:solidFill>
-            <a:schemeClr val="phClr"/>
-          </a:solidFill>
-          <a:prstDash val="solid"/>
-        </a:ln>
-        <a:ln w="38100" cap="flat" cmpd="sng" algn="ctr">
-          <a:solidFill>
-            <a:schemeClr val="phClr"/>
-          </a:solidFill>
-          <a:prstDash val="solid"/>
-        </a:ln>
-      </a:lnStyleLst>
-      <a:effectStyleLst>
-        <a:effectStyle>
-          <a:effectLst>
-            <a:outerShdw blurRad="40000" dist="20000" dir="5400000" rotWithShape="0">
-              <a:srgbClr val="000000">
-                <a:alpha val="38000"/>
-              </a:srgbClr>
-            </a:outerShdw>
-          </a:effectLst>
-        </a:effectStyle>
-        <a:effectStyle>
-          <a:effectLst>
-            <a:outerShdw blurRad="40000" dist="23000" dir="5400000" rotWithShape="0">
-              <a:srgbClr val="000000">
-                <a:alpha val="35000"/>
-              </a:srgbClr>
-            </a:outerShdw>
-          </a:effectLst>
-        </a:effectStyle>
-        <a:effectStyle>
-          <a:effectLst>
-            <a:outerShdw blurRad="40000" dist="23000" dir="5400000" rotWithShape="0">
-              <a:srgbClr val="000000">
-                <a:alpha val="35000"/>
-              </a:srgbClr>
-            </a:outerShdw>
-          </a:effectLst>
-          <a:scene3d>
-            <a:camera prst="orthographicFront">
-              <a:rot lat="0" lon="0" rev="0"/>
-            </a:camera>
-            <a:lightRig rig="threePt" dir="t">
-              <a:rot lat="0" lon="0" rev="1200000"/>
-            </a:lightRig>
-          </a:scene3d>
-          <a:sp3d>
-            <a:bevelT w="63500" h="25400"/>
-          </a:sp3d>
-        </a:effectStyle>
-      </a:effectStyleLst>
-      <a:bgFillStyleLst>
-        <a:solidFill>
-          <a:schemeClr val="phClr"/>
-        </a:solidFill>
-        <a:gradFill rotWithShape="1">
-          <a:gsLst>
-            <a:gs pos="0">
-              <a:schemeClr val="phClr">
-                <a:tint val="40000"/>
-                <a:satMod val="350000"/>
-              </a:schemeClr>
-            </a:gs>
-            <a:gs pos="40000">
-              <a:schemeClr val="phClr">
-                <a:tint val="45000"/>
-                <a:shade val="99000"/>
-                <a:satMod val="350000"/>
-              </a:schemeClr>
-            </a:gs>
-            <a:gs pos="100000">
-              <a:schemeClr val="phClr">
-                <a:shade val="20000"/>
-                <a:satMod val="255000"/>
-              </a:schemeClr>
-            </a:gs>
-          </a:gsLst>
-          <a:path path="circle">
-            <a:fillToRect l="50000" t="-80000" r="50000" b="180000"/>
-          </a:path>
-        </a:gradFill>
-        <a:gradFill rotWithShape="1">
-          <a:gsLst>
-            <a:gs pos="0">
-              <a:schemeClr val="phClr">
-                <a:tint val="80000"/>
-                <a:satMod val="300000"/>
-              </a:schemeClr>
-            </a:gs>
-            <a:gs pos="100000">
-              <a:schemeClr val="phClr">
-                <a:shade val="30000"/>
-                <a:satMod val="200000"/>
-              </a:schemeClr>
-            </a:gs>
-          </a:gsLst>
-          <a:path path="circle">
-            <a:fillToRect l="50000" t="50000" r="50000" b="50000"/>
-          </a:path>
-        </a:gradFill>
-      </a:bgFillStyleLst>
-    </a:fmtScheme>
-  </a:themeElements>
-</a:theme>
 </file>
--- a/Lightning Talk.pptx
+++ b/Lightning Talk.pptx
@@ -18,16 +18,17 @@
     <p:sldId id="263" r:id="rId13"/>
     <p:sldId id="264" r:id="rId14"/>
     <p:sldId id="265" r:id="rId15"/>
+    <p:sldId id="266" r:id="rId16"/>
   </p:sldIdLst>
   <p:sldSz cy="5143500" cx="9144000"/>
   <p:notesSz cx="6858000" cy="9144000"/>
   <p:embeddedFontLst>
     <p:embeddedFont>
       <p:font typeface="Proxima Nova"/>
-      <p:regular r:id="rId16"/>
-      <p:bold r:id="rId17"/>
-      <p:italic r:id="rId18"/>
-      <p:boldItalic r:id="rId19"/>
+      <p:regular r:id="rId17"/>
+      <p:bold r:id="rId18"/>
+      <p:italic r:id="rId19"/>
+      <p:boldItalic r:id="rId20"/>
     </p:embeddedFont>
   </p:embeddedFontLst>
   <p:defaultTextStyle>
@@ -873,7 +874,105 @@
           </a:bodyPr>
           <a:lstStyle/>
           <a:p>
-            <a:pPr indent="0" lvl="0" marL="0">
+            <a:pPr indent="0" lvl="0" marL="0" rtl="0">
+              <a:spcBef>
+                <a:spcPts val="0"/>
+              </a:spcBef>
+              <a:spcAft>
+                <a:spcPts val="0"/>
+              </a:spcAft>
+              <a:buNone/>
+            </a:pPr>
+            <a:r>
+              <a:t/>
+            </a:r>
+            <a:endParaRPr/>
+          </a:p>
+        </p:txBody>
+      </p:sp>
+    </p:spTree>
+  </p:cSld>
+  <p:clrMapOvr>
+    <a:masterClrMapping/>
+  </p:clrMapOvr>
+</p:notes>
+</file>
+
+<file path=ppt/notesSlides/notesSlide11.xml><?xml version="1.0" encoding="utf-8"?>
+<p:notes xmlns:a="http://schemas.openxmlformats.org/drawingml/2006/main" xmlns:r="http://schemas.openxmlformats.org/officeDocument/2006/relationships" xmlns:mc="http://schemas.openxmlformats.org/markup-compatibility/2006" xmlns:mv="urn:schemas-microsoft-com:mac:vml" xmlns:p="http://schemas.openxmlformats.org/presentationml/2006/main" xmlns:c="http://schemas.openxmlformats.org/drawingml/2006/chart" xmlns:dgm="http://schemas.openxmlformats.org/drawingml/2006/diagram" xmlns:o="urn:schemas-microsoft-com:office:office" xmlns:v="urn:schemas-microsoft-com:vml" xmlns:pvml="urn:schemas-microsoft-com:office:powerpoint" xmlns:com="http://schemas.openxmlformats.org/drawingml/2006/compatibility" xmlns:p14="http://schemas.microsoft.com/office/powerpoint/2010/main" xmlns:p15="http://schemas.microsoft.com/office/powerpoint/2012/main" showMasterPhAnim="0" showMasterSp="0">
+  <p:cSld>
+    <p:spTree>
+      <p:nvGrpSpPr>
+        <p:cNvPr id="128" name="Shape 128"/>
+        <p:cNvGrpSpPr/>
+        <p:nvPr/>
+      </p:nvGrpSpPr>
+      <p:grpSpPr>
+        <a:xfrm>
+          <a:off x="0" y="0"/>
+          <a:ext cx="0" cy="0"/>
+          <a:chOff x="0" y="0"/>
+          <a:chExt cx="0" cy="0"/>
+        </a:xfrm>
+      </p:grpSpPr>
+      <p:sp>
+        <p:nvSpPr>
+          <p:cNvPr id="129" name="Shape 129"/>
+          <p:cNvSpPr/>
+          <p:nvPr>
+            <p:ph idx="2" type="sldImg"/>
+          </p:nvPr>
+        </p:nvSpPr>
+        <p:spPr>
+          <a:xfrm>
+            <a:off x="381300" y="685800"/>
+            <a:ext cx="6096000" cy="3429000"/>
+          </a:xfrm>
+          <a:custGeom>
+            <a:pathLst>
+              <a:path extrusionOk="0" h="120000" w="120000">
+                <a:moveTo>
+                  <a:pt x="0" y="0"/>
+                </a:moveTo>
+                <a:lnTo>
+                  <a:pt x="120000" y="0"/>
+                </a:lnTo>
+                <a:lnTo>
+                  <a:pt x="120000" y="120000"/>
+                </a:lnTo>
+                <a:lnTo>
+                  <a:pt x="0" y="120000"/>
+                </a:lnTo>
+                <a:close/>
+              </a:path>
+            </a:pathLst>
+          </a:custGeom>
+        </p:spPr>
+      </p:sp>
+      <p:sp>
+        <p:nvSpPr>
+          <p:cNvPr id="130" name="Shape 130"/>
+          <p:cNvSpPr txBox="1"/>
+          <p:nvPr>
+            <p:ph idx="1" type="body"/>
+          </p:nvPr>
+        </p:nvSpPr>
+        <p:spPr>
+          <a:xfrm>
+            <a:off x="685800" y="4343400"/>
+            <a:ext cx="5486400" cy="4114800"/>
+          </a:xfrm>
+          <a:prstGeom prst="rect">
+            <a:avLst/>
+          </a:prstGeom>
+        </p:spPr>
+        <p:txBody>
+          <a:bodyPr anchorCtr="0" anchor="t" bIns="91425" lIns="91425" spcFirstLastPara="1" rIns="91425" wrap="square" tIns="91425">
+            <a:noAutofit/>
+          </a:bodyPr>
+          <a:lstStyle/>
+          <a:p>
+            <a:pPr indent="0" lvl="0" marL="0" rtl="0">
               <a:spcBef>
                 <a:spcPts val="0"/>
               </a:spcBef>
@@ -1559,19 +1658,33 @@
           </a:bodyPr>
           <a:lstStyle/>
           <a:p>
-            <a:pPr indent="0" lvl="0" marL="0">
-              <a:spcBef>
-                <a:spcPts val="0"/>
-              </a:spcBef>
-              <a:spcAft>
-                <a:spcPts val="0"/>
-              </a:spcAft>
-              <a:buNone/>
+            <a:pPr indent="-304800" lvl="1" marL="914400" rtl="0">
+              <a:lnSpc>
+                <a:spcPct val="115000"/>
+              </a:lnSpc>
+              <a:spcBef>
+                <a:spcPts val="0"/>
+              </a:spcBef>
+              <a:spcAft>
+                <a:spcPts val="0"/>
+              </a:spcAft>
+              <a:buClr>
+                <a:srgbClr val="000000"/>
+              </a:buClr>
+              <a:buSzPts val="1200"/>
+              <a:buFont typeface="Proxima Nova"/>
+              <a:buChar char="○"/>
             </a:pPr>
             <a:r>
-              <a:t/>
-            </a:r>
-            <a:endParaRPr/>
+              <a:rPr lang="en" sz="1200">
+                <a:latin typeface="Proxima Nova"/>
+                <a:ea typeface="Proxima Nova"/>
+                <a:cs typeface="Proxima Nova"/>
+                <a:sym typeface="Proxima Nova"/>
+              </a:rPr>
+              <a:t>Each time when ‘setState’ is called, the render() function in a Component will be called simultaneously.</a:t>
+            </a:r>
+            <a:endParaRPr sz="1200"/>
           </a:p>
         </p:txBody>
       </p:sp>
@@ -7121,6 +7234,242 @@
         </p:nvSpPr>
         <p:spPr>
           <a:xfrm>
+            <a:off x="311700" y="445025"/>
+            <a:ext cx="8520600" cy="572700"/>
+          </a:xfrm>
+          <a:prstGeom prst="rect">
+            <a:avLst/>
+          </a:prstGeom>
+        </p:spPr>
+        <p:txBody>
+          <a:bodyPr anchorCtr="0" anchor="t" bIns="91425" lIns="91425" spcFirstLastPara="1" rIns="91425" wrap="square" tIns="91425">
+            <a:noAutofit/>
+          </a:bodyPr>
+          <a:lstStyle/>
+          <a:p>
+            <a:pPr indent="0" lvl="0" marL="0" rtl="0">
+              <a:spcBef>
+                <a:spcPts val="0"/>
+              </a:spcBef>
+              <a:spcAft>
+                <a:spcPts val="0"/>
+              </a:spcAft>
+              <a:buNone/>
+            </a:pPr>
+            <a:r>
+              <a:rPr lang="en"/>
+              <a:t>Summary</a:t>
+            </a:r>
+            <a:endParaRPr/>
+          </a:p>
+        </p:txBody>
+      </p:sp>
+      <p:sp>
+        <p:nvSpPr>
+          <p:cNvPr id="126" name="Shape 126"/>
+          <p:cNvSpPr txBox="1"/>
+          <p:nvPr>
+            <p:ph idx="1" type="body"/>
+          </p:nvPr>
+        </p:nvSpPr>
+        <p:spPr>
+          <a:xfrm>
+            <a:off x="311700" y="1152475"/>
+            <a:ext cx="4183800" cy="3416400"/>
+          </a:xfrm>
+          <a:prstGeom prst="rect">
+            <a:avLst/>
+          </a:prstGeom>
+        </p:spPr>
+        <p:txBody>
+          <a:bodyPr anchorCtr="0" anchor="t" bIns="91425" lIns="91425" spcFirstLastPara="1" rIns="91425" wrap="square" tIns="91425">
+            <a:noAutofit/>
+          </a:bodyPr>
+          <a:lstStyle/>
+          <a:p>
+            <a:pPr indent="-342900" lvl="0" marL="457200" rtl="0">
+              <a:spcBef>
+                <a:spcPts val="0"/>
+              </a:spcBef>
+              <a:spcAft>
+                <a:spcPts val="0"/>
+              </a:spcAft>
+              <a:buSzPts val="1800"/>
+              <a:buChar char="●"/>
+            </a:pPr>
+            <a:r>
+              <a:rPr lang="en"/>
+              <a:t>What react native is</a:t>
+            </a:r>
+            <a:endParaRPr/>
+          </a:p>
+          <a:p>
+            <a:pPr indent="-342900" lvl="0" marL="457200" rtl="0">
+              <a:spcBef>
+                <a:spcPts val="0"/>
+              </a:spcBef>
+              <a:spcAft>
+                <a:spcPts val="0"/>
+              </a:spcAft>
+              <a:buSzPts val="1800"/>
+              <a:buChar char="●"/>
+            </a:pPr>
+            <a:r>
+              <a:rPr lang="en"/>
+              <a:t>The advantages</a:t>
+            </a:r>
+            <a:endParaRPr/>
+          </a:p>
+          <a:p>
+            <a:pPr indent="-342900" lvl="0" marL="457200" rtl="0">
+              <a:spcBef>
+                <a:spcPts val="0"/>
+              </a:spcBef>
+              <a:spcAft>
+                <a:spcPts val="0"/>
+              </a:spcAft>
+              <a:buSzPts val="1800"/>
+              <a:buChar char="●"/>
+            </a:pPr>
+            <a:r>
+              <a:rPr lang="en"/>
+              <a:t>Features</a:t>
+            </a:r>
+            <a:endParaRPr/>
+          </a:p>
+          <a:p>
+            <a:pPr indent="-342900" lvl="0" marL="457200" rtl="0">
+              <a:spcBef>
+                <a:spcPts val="0"/>
+              </a:spcBef>
+              <a:spcAft>
+                <a:spcPts val="0"/>
+              </a:spcAft>
+              <a:buSzPts val="1800"/>
+              <a:buChar char="●"/>
+            </a:pPr>
+            <a:r>
+              <a:rPr lang="en"/>
+              <a:t>Platform specific code</a:t>
+            </a:r>
+            <a:endParaRPr/>
+          </a:p>
+          <a:p>
+            <a:pPr indent="-342900" lvl="0" marL="457200" rtl="0">
+              <a:spcBef>
+                <a:spcPts val="0"/>
+              </a:spcBef>
+              <a:spcAft>
+                <a:spcPts val="0"/>
+              </a:spcAft>
+              <a:buSzPts val="1800"/>
+              <a:buChar char="●"/>
+            </a:pPr>
+            <a:r>
+              <a:rPr lang="en"/>
+              <a:t>integration with existing apps</a:t>
+            </a:r>
+            <a:endParaRPr/>
+          </a:p>
+          <a:p>
+            <a:pPr indent="-342900" lvl="0" marL="457200" rtl="0">
+              <a:spcBef>
+                <a:spcPts val="0"/>
+              </a:spcBef>
+              <a:spcAft>
+                <a:spcPts val="0"/>
+              </a:spcAft>
+              <a:buSzPts val="1800"/>
+              <a:buChar char="●"/>
+            </a:pPr>
+            <a:r>
+              <a:rPr lang="en"/>
+              <a:t>Some code examples</a:t>
+            </a:r>
+            <a:endParaRPr/>
+          </a:p>
+          <a:p>
+            <a:pPr indent="-342900" lvl="0" marL="457200" rtl="0">
+              <a:spcBef>
+                <a:spcPts val="0"/>
+              </a:spcBef>
+              <a:spcAft>
+                <a:spcPts val="0"/>
+              </a:spcAft>
+              <a:buSzPts val="1800"/>
+              <a:buChar char="●"/>
+            </a:pPr>
+            <a:r>
+              <a:rPr lang="en"/>
+              <a:t>Companies who use React Native </a:t>
+            </a:r>
+            <a:endParaRPr/>
+          </a:p>
+        </p:txBody>
+      </p:sp>
+      <p:pic>
+        <p:nvPicPr>
+          <p:cNvPr id="127" name="Shape 127"/>
+          <p:cNvPicPr preferRelativeResize="0"/>
+          <p:nvPr/>
+        </p:nvPicPr>
+        <p:blipFill>
+          <a:blip r:embed="rId3">
+            <a:alphaModFix/>
+          </a:blip>
+          <a:stretch>
+            <a:fillRect/>
+          </a:stretch>
+        </p:blipFill>
+        <p:spPr>
+          <a:xfrm>
+            <a:off x="5778650" y="1337975"/>
+            <a:ext cx="2467550" cy="2467550"/>
+          </a:xfrm>
+          <a:prstGeom prst="rect">
+            <a:avLst/>
+          </a:prstGeom>
+          <a:noFill/>
+          <a:ln>
+            <a:noFill/>
+          </a:ln>
+        </p:spPr>
+      </p:pic>
+    </p:spTree>
+  </p:cSld>
+  <p:clrMapOvr>
+    <a:masterClrMapping/>
+  </p:clrMapOvr>
+</p:sld>
+</file>
+
+<file path=ppt/slides/slide11.xml><?xml version="1.0" encoding="utf-8"?>
+<p:sld xmlns:a="http://schemas.openxmlformats.org/drawingml/2006/main" xmlns:r="http://schemas.openxmlformats.org/officeDocument/2006/relationships" xmlns:mc="http://schemas.openxmlformats.org/markup-compatibility/2006" xmlns:mv="urn:schemas-microsoft-com:mac:vml" xmlns:p="http://schemas.openxmlformats.org/presentationml/2006/main" xmlns:c="http://schemas.openxmlformats.org/drawingml/2006/chart" xmlns:dgm="http://schemas.openxmlformats.org/drawingml/2006/diagram" xmlns:o="urn:schemas-microsoft-com:office:office" xmlns:v="urn:schemas-microsoft-com:vml" xmlns:pvml="urn:schemas-microsoft-com:office:powerpoint" xmlns:com="http://schemas.openxmlformats.org/drawingml/2006/compatibility" xmlns:p14="http://schemas.microsoft.com/office/powerpoint/2010/main" xmlns:p15="http://schemas.microsoft.com/office/powerpoint/2012/main">
+  <p:cSld>
+    <p:spTree>
+      <p:nvGrpSpPr>
+        <p:cNvPr id="131" name="Shape 131"/>
+        <p:cNvGrpSpPr/>
+        <p:nvPr/>
+      </p:nvGrpSpPr>
+      <p:grpSpPr>
+        <a:xfrm>
+          <a:off x="0" y="0"/>
+          <a:ext cx="0" cy="0"/>
+          <a:chOff x="0" y="0"/>
+          <a:chExt cx="0" cy="0"/>
+        </a:xfrm>
+      </p:grpSpPr>
+      <p:sp>
+        <p:nvSpPr>
+          <p:cNvPr id="132" name="Shape 132"/>
+          <p:cNvSpPr txBox="1"/>
+          <p:nvPr>
+            <p:ph type="title"/>
+          </p:nvPr>
+        </p:nvSpPr>
+        <p:spPr>
+          <a:xfrm>
             <a:off x="311700" y="193475"/>
             <a:ext cx="8520600" cy="572700"/>
           </a:xfrm>
@@ -7134,7 +7483,7 @@
           </a:bodyPr>
           <a:lstStyle/>
           <a:p>
-            <a:pPr indent="0" lvl="0" marL="0">
+            <a:pPr indent="0" lvl="0" marL="0" rtl="0">
               <a:spcBef>
                 <a:spcPts val="0"/>
               </a:spcBef>
@@ -7153,7 +7502,7 @@
       </p:sp>
       <p:sp>
         <p:nvSpPr>
-          <p:cNvPr id="126" name="Shape 126"/>
+          <p:cNvPr id="133" name="Shape 133"/>
           <p:cNvSpPr txBox="1"/>
           <p:nvPr>
             <p:ph idx="1" type="body"/>
@@ -7174,7 +7523,7 @@
           </a:bodyPr>
           <a:lstStyle/>
           <a:p>
-            <a:pPr indent="0" lvl="0" marL="0">
+            <a:pPr indent="0" lvl="0" marL="0" rtl="0">
               <a:spcBef>
                 <a:spcPts val="0"/>
               </a:spcBef>
@@ -7190,7 +7539,7 @@
             <a:endParaRPr sz="1400"/>
           </a:p>
           <a:p>
-            <a:pPr indent="0" lvl="0" marL="0">
+            <a:pPr indent="0" lvl="0" marL="0" rtl="0">
               <a:spcBef>
                 <a:spcPts val="1600"/>
               </a:spcBef>
@@ -7206,7 +7555,7 @@
             <a:endParaRPr sz="1400"/>
           </a:p>
           <a:p>
-            <a:pPr indent="0" lvl="0" marL="0">
+            <a:pPr indent="0" lvl="0" marL="0" rtl="0">
               <a:spcBef>
                 <a:spcPts val="1600"/>
               </a:spcBef>
@@ -7222,7 +7571,7 @@
             <a:endParaRPr sz="1400"/>
           </a:p>
           <a:p>
-            <a:pPr indent="0" lvl="0" marL="0">
+            <a:pPr indent="0" lvl="0" marL="0" rtl="0">
               <a:spcBef>
                 <a:spcPts val="1600"/>
               </a:spcBef>
@@ -7247,7 +7596,7 @@
             <a:endParaRPr sz="1400"/>
           </a:p>
           <a:p>
-            <a:pPr indent="0" lvl="0" marL="0">
+            <a:pPr indent="0" lvl="0" marL="0" rtl="0">
               <a:spcBef>
                 <a:spcPts val="1600"/>
               </a:spcBef>
@@ -7262,7 +7611,7 @@
             <a:endParaRPr/>
           </a:p>
           <a:p>
-            <a:pPr indent="0" lvl="0" marL="0">
+            <a:pPr indent="0" lvl="0" marL="0" rtl="0">
               <a:spcBef>
                 <a:spcPts val="1600"/>
               </a:spcBef>
@@ -7534,23 +7883,6 @@
             <a:r>
               <a:rPr lang="en"/>
               <a:t>JavaScript - Use existing JavaScript knowledge to your advantage </a:t>
-            </a:r>
-            <a:endParaRPr/>
-          </a:p>
-          <a:p>
-            <a:pPr indent="-342900" lvl="0" marL="457200" rtl="0">
-              <a:spcBef>
-                <a:spcPts val="0"/>
-              </a:spcBef>
-              <a:spcAft>
-                <a:spcPts val="0"/>
-              </a:spcAft>
-              <a:buSzPts val="1800"/>
-              <a:buChar char="●"/>
-            </a:pPr>
-            <a:r>
-              <a:rPr lang="en"/>
-              <a:t>Code Sharing - Can share code on different platforms </a:t>
             </a:r>
             <a:endParaRPr/>
           </a:p>
@@ -8786,10 +9118,18 @@
               <a:buNone/>
             </a:pPr>
             <a:r>
-              <a:rPr lang="en"/>
+              <a:rPr lang="en">
+                <a:solidFill>
+                  <a:srgbClr val="0000FF"/>
+                </a:solidFill>
+              </a:rPr>
               <a:t>States</a:t>
             </a:r>
-            <a:endParaRPr/>
+            <a:endParaRPr>
+              <a:solidFill>
+                <a:srgbClr val="0000FF"/>
+              </a:solidFill>
+            </a:endParaRPr>
           </a:p>
         </p:txBody>
       </p:sp>
@@ -8853,7 +9193,7 @@
             </a:pPr>
             <a:r>
               <a:rPr lang="en" sz="1800"/>
-              <a:t>State is nothing but a triggering method which is used to refresh or update values in the Component. Each time when ‘setState’ is called, the render() function in a Component will be called simultaneously.</a:t>
+              <a:t>State is nothing but a triggering method which is used to update values in the Component. </a:t>
             </a:r>
             <a:endParaRPr/>
           </a:p>
@@ -9129,6 +9469,285 @@
 </file>
 
 <file path=ppt/theme/theme1.xml><?xml version="1.0" encoding="utf-8"?>
+<a:theme xmlns:a="http://schemas.openxmlformats.org/drawingml/2006/main" xmlns:r="http://schemas.openxmlformats.org/officeDocument/2006/relationships" name="Spearmint">
+  <a:themeElements>
+    <a:clrScheme name="Spearmint">
+      <a:dk1>
+        <a:srgbClr val="202729"/>
+      </a:dk1>
+      <a:lt1>
+        <a:srgbClr val="FFFFFF"/>
+      </a:lt1>
+      <a:dk2>
+        <a:srgbClr val="4BA173"/>
+      </a:dk2>
+      <a:lt2>
+        <a:srgbClr val="63D297"/>
+      </a:lt2>
+      <a:accent1>
+        <a:srgbClr val="353744"/>
+      </a:accent1>
+      <a:accent2>
+        <a:srgbClr val="424242"/>
+      </a:accent2>
+      <a:accent3>
+        <a:srgbClr val="616161"/>
+      </a:accent3>
+      <a:accent4>
+        <a:srgbClr val="999999"/>
+      </a:accent4>
+      <a:accent5>
+        <a:srgbClr val="FF5252"/>
+      </a:accent5>
+      <a:accent6>
+        <a:srgbClr val="FFF176"/>
+      </a:accent6>
+      <a:hlink>
+        <a:srgbClr val="FF5252"/>
+      </a:hlink>
+      <a:folHlink>
+        <a:srgbClr val="FF5252"/>
+      </a:folHlink>
+    </a:clrScheme>
+    <a:fontScheme name="Office">
+      <a:majorFont>
+        <a:latin typeface="Arial"/>
+        <a:ea typeface=""/>
+        <a:cs typeface=""/>
+        <a:font script="Jpan" typeface="ＭＳ Ｐゴシック"/>
+        <a:font script="Hang" typeface="맑은 고딕"/>
+        <a:font script="Hans" typeface="宋体"/>
+        <a:font script="Hant" typeface="新細明體"/>
+        <a:font script="Arab" typeface="Times New Roman"/>
+        <a:font script="Hebr" typeface="Times New Roman"/>
+        <a:font script="Thai" typeface="Angsana New"/>
+        <a:font script="Ethi" typeface="Nyala"/>
+        <a:font script="Beng" typeface="Vrinda"/>
+        <a:font script="Gujr" typeface="Shruti"/>
+        <a:font script="Khmr" typeface="MoolBoran"/>
+        <a:font script="Knda" typeface="Tunga"/>
+        <a:font script="Guru" typeface="Raavi"/>
+        <a:font script="Cans" typeface="Euphemia"/>
+        <a:font script="Cher" typeface="Plantagenet Cherokee"/>
+        <a:font script="Yiii" typeface="Microsoft Yi Baiti"/>
+        <a:font script="Tibt" typeface="Microsoft Himalaya"/>
+        <a:font script="Thaa" typeface="MV Boli"/>
+        <a:font script="Deva" typeface="Mangal"/>
+        <a:font script="Telu" typeface="Gautami"/>
+        <a:font script="Taml" typeface="Latha"/>
+        <a:font script="Syrc" typeface="Estrangelo Edessa"/>
+        <a:font script="Orya" typeface="Kalinga"/>
+        <a:font script="Mlym" typeface="Kartika"/>
+        <a:font script="Laoo" typeface="DokChampa"/>
+        <a:font script="Sinh" typeface="Iskoola Pota"/>
+        <a:font script="Mong" typeface="Mongolian Baiti"/>
+        <a:font script="Viet" typeface="Times New Roman"/>
+        <a:font script="Uigh" typeface="Microsoft Uighur"/>
+        <a:font script="Geor" typeface="Sylfaen"/>
+      </a:majorFont>
+      <a:minorFont>
+        <a:latin typeface="Arial"/>
+        <a:ea typeface=""/>
+        <a:cs typeface=""/>
+        <a:font script="Jpan" typeface="ＭＳ Ｐゴシック"/>
+        <a:font script="Hang" typeface="맑은 고딕"/>
+        <a:font script="Hans" typeface="宋体"/>
+        <a:font script="Hant" typeface="新細明體"/>
+        <a:font script="Arab" typeface="Arial"/>
+        <a:font script="Hebr" typeface="Arial"/>
+        <a:font script="Thai" typeface="Cordia New"/>
+        <a:font script="Ethi" typeface="Nyala"/>
+        <a:font script="Beng" typeface="Vrinda"/>
+        <a:font script="Gujr" typeface="Shruti"/>
+        <a:font script="Khmr" typeface="DaunPenh"/>
+        <a:font script="Knda" typeface="Tunga"/>
+        <a:font script="Guru" typeface="Raavi"/>
+        <a:font script="Cans" typeface="Euphemia"/>
+        <a:font script="Cher" typeface="Plantagenet Cherokee"/>
+        <a:font script="Yiii" typeface="Microsoft Yi Baiti"/>
+        <a:font script="Tibt" typeface="Microsoft Himalaya"/>
+        <a:font script="Thaa" typeface="MV Boli"/>
+        <a:font script="Deva" typeface="Mangal"/>
+        <a:font script="Telu" typeface="Gautami"/>
+        <a:font script="Taml" typeface="Latha"/>
+        <a:font script="Syrc" typeface="Estrangelo Edessa"/>
+        <a:font script="Orya" typeface="Kalinga"/>
+        <a:font script="Mlym" typeface="Kartika"/>
+        <a:font script="Laoo" typeface="DokChampa"/>
+        <a:font script="Sinh" typeface="Iskoola Pota"/>
+        <a:font script="Mong" typeface="Mongolian Baiti"/>
+        <a:font script="Viet" typeface="Arial"/>
+        <a:font script="Uigh" typeface="Microsoft Uighur"/>
+        <a:font script="Geor" typeface="Sylfaen"/>
+      </a:minorFont>
+    </a:fontScheme>
+    <a:fmtScheme name="Office">
+      <a:fillStyleLst>
+        <a:solidFill>
+          <a:schemeClr val="phClr"/>
+        </a:solidFill>
+        <a:gradFill rotWithShape="1">
+          <a:gsLst>
+            <a:gs pos="0">
+              <a:schemeClr val="phClr">
+                <a:tint val="50000"/>
+                <a:satMod val="300000"/>
+              </a:schemeClr>
+            </a:gs>
+            <a:gs pos="35000">
+              <a:schemeClr val="phClr">
+                <a:tint val="37000"/>
+                <a:satMod val="300000"/>
+              </a:schemeClr>
+            </a:gs>
+            <a:gs pos="100000">
+              <a:schemeClr val="phClr">
+                <a:tint val="15000"/>
+                <a:satMod val="350000"/>
+              </a:schemeClr>
+            </a:gs>
+          </a:gsLst>
+          <a:lin ang="16200000" scaled="1"/>
+        </a:gradFill>
+        <a:gradFill rotWithShape="1">
+          <a:gsLst>
+            <a:gs pos="0">
+              <a:schemeClr val="phClr">
+                <a:tint val="100000"/>
+                <a:shade val="100000"/>
+                <a:satMod val="130000"/>
+              </a:schemeClr>
+            </a:gs>
+            <a:gs pos="100000">
+              <a:schemeClr val="phClr">
+                <a:tint val="50000"/>
+                <a:shade val="100000"/>
+                <a:satMod val="350000"/>
+              </a:schemeClr>
+            </a:gs>
+          </a:gsLst>
+          <a:lin ang="16200000" scaled="0"/>
+        </a:gradFill>
+      </a:fillStyleLst>
+      <a:lnStyleLst>
+        <a:ln w="9525" cap="flat" cmpd="sng" algn="ctr">
+          <a:solidFill>
+            <a:schemeClr val="phClr">
+              <a:shade val="95000"/>
+              <a:satMod val="105000"/>
+            </a:schemeClr>
+          </a:solidFill>
+          <a:prstDash val="solid"/>
+        </a:ln>
+        <a:ln w="25400" cap="flat" cmpd="sng" algn="ctr">
+          <a:solidFill>
+            <a:schemeClr val="phClr"/>
+          </a:solidFill>
+          <a:prstDash val="solid"/>
+        </a:ln>
+        <a:ln w="38100" cap="flat" cmpd="sng" algn="ctr">
+          <a:solidFill>
+            <a:schemeClr val="phClr"/>
+          </a:solidFill>
+          <a:prstDash val="solid"/>
+        </a:ln>
+      </a:lnStyleLst>
+      <a:effectStyleLst>
+        <a:effectStyle>
+          <a:effectLst>
+            <a:outerShdw blurRad="40000" dist="20000" dir="5400000" rotWithShape="0">
+              <a:srgbClr val="000000">
+                <a:alpha val="38000"/>
+              </a:srgbClr>
+            </a:outerShdw>
+          </a:effectLst>
+        </a:effectStyle>
+        <a:effectStyle>
+          <a:effectLst>
+            <a:outerShdw blurRad="40000" dist="23000" dir="5400000" rotWithShape="0">
+              <a:srgbClr val="000000">
+                <a:alpha val="35000"/>
+              </a:srgbClr>
+            </a:outerShdw>
+          </a:effectLst>
+        </a:effectStyle>
+        <a:effectStyle>
+          <a:effectLst>
+            <a:outerShdw blurRad="40000" dist="23000" dir="5400000" rotWithShape="0">
+              <a:srgbClr val="000000">
+                <a:alpha val="35000"/>
+              </a:srgbClr>
+            </a:outerShdw>
+          </a:effectLst>
+          <a:scene3d>
+            <a:camera prst="orthographicFront">
+              <a:rot lat="0" lon="0" rev="0"/>
+            </a:camera>
+            <a:lightRig rig="threePt" dir="t">
+              <a:rot lat="0" lon="0" rev="1200000"/>
+            </a:lightRig>
+          </a:scene3d>
+          <a:sp3d>
+            <a:bevelT w="63500" h="25400"/>
+          </a:sp3d>
+        </a:effectStyle>
+      </a:effectStyleLst>
+      <a:bgFillStyleLst>
+        <a:solidFill>
+          <a:schemeClr val="phClr"/>
+        </a:solidFill>
+        <a:gradFill rotWithShape="1">
+          <a:gsLst>
+            <a:gs pos="0">
+              <a:schemeClr val="phClr">
+                <a:tint val="40000"/>
+                <a:satMod val="350000"/>
+              </a:schemeClr>
+            </a:gs>
+            <a:gs pos="40000">
+              <a:schemeClr val="phClr">
+                <a:tint val="45000"/>
+                <a:shade val="99000"/>
+                <a:satMod val="350000"/>
+              </a:schemeClr>
+            </a:gs>
+            <a:gs pos="100000">
+              <a:schemeClr val="phClr">
+                <a:shade val="20000"/>
+                <a:satMod val="255000"/>
+              </a:schemeClr>
+            </a:gs>
+          </a:gsLst>
+          <a:path path="circle">
+            <a:fillToRect l="50000" t="-80000" r="50000" b="180000"/>
+          </a:path>
+        </a:gradFill>
+        <a:gradFill rotWithShape="1">
+          <a:gsLst>
+            <a:gs pos="0">
+              <a:schemeClr val="phClr">
+                <a:tint val="80000"/>
+                <a:satMod val="300000"/>
+              </a:schemeClr>
+            </a:gs>
+            <a:gs pos="100000">
+              <a:schemeClr val="phClr">
+                <a:shade val="30000"/>
+                <a:satMod val="200000"/>
+              </a:schemeClr>
+            </a:gs>
+          </a:gsLst>
+          <a:path path="circle">
+            <a:fillToRect l="50000" t="50000" r="50000" b="50000"/>
+          </a:path>
+        </a:gradFill>
+      </a:bgFillStyleLst>
+    </a:fmtScheme>
+  </a:themeElements>
+</a:theme>
+</file>
+
+<file path=ppt/theme/theme2.xml><?xml version="1.0" encoding="utf-8"?>
 <a:theme xmlns:a="http://schemas.openxmlformats.org/drawingml/2006/main" xmlns:r="http://schemas.openxmlformats.org/officeDocument/2006/relationships">
   <a:themeElements>
     <a:clrScheme name="Default">
@@ -9405,283 +10024,4 @@
     </a:fmtScheme>
   </a:themeElements>
 </a:theme>
-</file>
-
-<file path=ppt/theme/theme2.xml><?xml version="1.0" encoding="utf-8"?>
-<a:theme xmlns:a="http://schemas.openxmlformats.org/drawingml/2006/main" xmlns:r="http://schemas.openxmlformats.org/officeDocument/2006/relationships" name="Spearmint">
-  <a:themeElements>
-    <a:clrScheme name="Spearmint">
-      <a:dk1>
-        <a:srgbClr val="202729"/>
-      </a:dk1>
-      <a:lt1>
-        <a:srgbClr val="FFFFFF"/>
-      </a:lt1>
-      <a:dk2>
-        <a:srgbClr val="4BA173"/>
-      </a:dk2>
-      <a:lt2>
-        <a:srgbClr val="63D297"/>
-      </a:lt2>
-      <a:accent1>
-        <a:srgbClr val="353744"/>
-      </a:accent1>
-      <a:accent2>
-        <a:srgbClr val="424242"/>
-      </a:accent2>
-      <a:accent3>
-        <a:srgbClr val="616161"/>
-      </a:accent3>
-      <a:accent4>
-        <a:srgbClr val="999999"/>
-      </a:accent4>
-      <a:accent5>
-        <a:srgbClr val="FF5252"/>
-      </a:accent5>
-      <a:accent6>
-        <a:srgbClr val="FFF176"/>
-      </a:accent6>
-      <a:hlink>
-        <a:srgbClr val="FF5252"/>
-      </a:hlink>
-      <a:folHlink>
-        <a:srgbClr val="FF5252"/>
-      </a:folHlink>
-    </a:clrScheme>
-    <a:fontScheme name="Office">
-      <a:majorFont>
-        <a:latin typeface="Arial"/>
-        <a:ea typeface=""/>
-        <a:cs typeface=""/>
-        <a:font script="Jpan" typeface="ＭＳ Ｐゴシック"/>
-        <a:font script="Hang" typeface="맑은 고딕"/>
-        <a:font script="Hans" typeface="宋体"/>
-        <a:font script="Hant" typeface="新細明體"/>
-        <a:font script="Arab" typeface="Times New Roman"/>
-        <a:font script="Hebr" typeface="Times New Roman"/>
-        <a:font script="Thai" typeface="Angsana New"/>
-        <a:font script="Ethi" typeface="Nyala"/>
-        <a:font script="Beng" typeface="Vrinda"/>
-        <a:font script="Gujr" typeface="Shruti"/>
-        <a:font script="Khmr" typeface="MoolBoran"/>
-        <a:font script="Knda" typeface="Tunga"/>
-        <a:font script="Guru" typeface="Raavi"/>
-        <a:font script="Cans" typeface="Euphemia"/>
-        <a:font script="Cher" typeface="Plantagenet Cherokee"/>
-        <a:font script="Yiii" typeface="Microsoft Yi Baiti"/>
-        <a:font script="Tibt" typeface="Microsoft Himalaya"/>
-        <a:font script="Thaa" typeface="MV Boli"/>
-        <a:font script="Deva" typeface="Mangal"/>
-        <a:font script="Telu" typeface="Gautami"/>
-        <a:font script="Taml" typeface="Latha"/>
-        <a:font script="Syrc" typeface="Estrangelo Edessa"/>
-        <a:font script="Orya" typeface="Kalinga"/>
-        <a:font script="Mlym" typeface="Kartika"/>
-        <a:font script="Laoo" typeface="DokChampa"/>
-        <a:font script="Sinh" typeface="Iskoola Pota"/>
-        <a:font script="Mong" typeface="Mongolian Baiti"/>
-        <a:font script="Viet" typeface="Times New Roman"/>
-        <a:font script="Uigh" typeface="Microsoft Uighur"/>
-        <a:font script="Geor" typeface="Sylfaen"/>
-      </a:majorFont>
-      <a:minorFont>
-        <a:latin typeface="Arial"/>
-        <a:ea typeface=""/>
-        <a:cs typeface=""/>
-        <a:font script="Jpan" typeface="ＭＳ Ｐゴシック"/>
-        <a:font script="Hang" typeface="맑은 고딕"/>
-        <a:font script="Hans" typeface="宋体"/>
-        <a:font script="Hant" typeface="新細明體"/>
-        <a:font script="Arab" typeface="Arial"/>
-        <a:font script="Hebr" typeface="Arial"/>
-        <a:font script="Thai" typeface="Cordia New"/>
-        <a:font script="Ethi" typeface="Nyala"/>
-        <a:font script="Beng" typeface="Vrinda"/>
-        <a:font script="Gujr" typeface="Shruti"/>
-        <a:font script="Khmr" typeface="DaunPenh"/>
-        <a:font script="Knda" typeface="Tunga"/>
-        <a:font script="Guru" typeface="Raavi"/>
-        <a:font script="Cans" typeface="Euphemia"/>
-        <a:font script="Cher" typeface="Plantagenet Cherokee"/>
-        <a:font script="Yiii" typeface="Microsoft Yi Baiti"/>
-        <a:font script="Tibt" typeface="Microsoft Himalaya"/>
-        <a:font script="Thaa" typeface="MV Boli"/>
-        <a:font script="Deva" typeface="Mangal"/>
-        <a:font script="Telu" typeface="Gautami"/>
-        <a:font script="Taml" typeface="Latha"/>
-        <a:font script="Syrc" typeface="Estrangelo Edessa"/>
-        <a:font script="Orya" typeface="Kalinga"/>
-        <a:font script="Mlym" typeface="Kartika"/>
-        <a:font script="Laoo" typeface="DokChampa"/>
-        <a:font script="Sinh" typeface="Iskoola Pota"/>
-        <a:font script="Mong" typeface="Mongolian Baiti"/>
-        <a:font script="Viet" typeface="Arial"/>
-        <a:font script="Uigh" typeface="Microsoft Uighur"/>
-        <a:font script="Geor" typeface="Sylfaen"/>
-      </a:minorFont>
-    </a:fontScheme>
-    <a:fmtScheme name="Office">
-      <a:fillStyleLst>
-        <a:solidFill>
-          <a:schemeClr val="phClr"/>
-        </a:solidFill>
-        <a:gradFill rotWithShape="1">
-          <a:gsLst>
-            <a:gs pos="0">
-              <a:schemeClr val="phClr">
-                <a:tint val="50000"/>
-                <a:satMod val="300000"/>
-              </a:schemeClr>
-            </a:gs>
-            <a:gs pos="35000">
-              <a:schemeClr val="phClr">
-                <a:tint val="37000"/>
-                <a:satMod val="300000"/>
-              </a:schemeClr>
-            </a:gs>
-            <a:gs pos="100000">
-              <a:schemeClr val="phClr">
-                <a:tint val="15000"/>
-                <a:satMod val="350000"/>
-              </a:schemeClr>
-            </a:gs>
-          </a:gsLst>
-          <a:lin ang="16200000" scaled="1"/>
-        </a:gradFill>
-        <a:gradFill rotWithShape="1">
-          <a:gsLst>
-            <a:gs pos="0">
-              <a:schemeClr val="phClr">
-                <a:tint val="100000"/>
-                <a:shade val="100000"/>
-                <a:satMod val="130000"/>
-              </a:schemeClr>
-            </a:gs>
-            <a:gs pos="100000">
-              <a:schemeClr val="phClr">
-                <a:tint val="50000"/>
-                <a:shade val="100000"/>
-                <a:satMod val="350000"/>
-              </a:schemeClr>
-            </a:gs>
-          </a:gsLst>
-          <a:lin ang="16200000" scaled="0"/>
-        </a:gradFill>
-      </a:fillStyleLst>
-      <a:lnStyleLst>
-        <a:ln w="9525" cap="flat" cmpd="sng" algn="ctr">
-          <a:solidFill>
-            <a:schemeClr val="phClr">
-              <a:shade val="95000"/>
-              <a:satMod val="105000"/>
-            </a:schemeClr>
-          </a:solidFill>
-          <a:prstDash val="solid"/>
-        </a:ln>
-        <a:ln w="25400" cap="flat" cmpd="sng" algn="ctr">
-          <a:solidFill>
-            <a:schemeClr val="phClr"/>
-          </a:solidFill>
-          <a:prstDash val="solid"/>
-        </a:ln>
-        <a:ln w="38100" cap="flat" cmpd="sng" algn="ctr">
-          <a:solidFill>
-            <a:schemeClr val="phClr"/>
-          </a:solidFill>
-          <a:prstDash val="solid"/>
-        </a:ln>
-      </a:lnStyleLst>
-      <a:effectStyleLst>
-        <a:effectStyle>
-          <a:effectLst>
-            <a:outerShdw blurRad="40000" dist="20000" dir="5400000" rotWithShape="0">
-              <a:srgbClr val="000000">
-                <a:alpha val="38000"/>
-              </a:srgbClr>
-            </a:outerShdw>
-          </a:effectLst>
-        </a:effectStyle>
-        <a:effectStyle>
-          <a:effectLst>
-            <a:outerShdw blurRad="40000" dist="23000" dir="5400000" rotWithShape="0">
-              <a:srgbClr val="000000">
-                <a:alpha val="35000"/>
-              </a:srgbClr>
-            </a:outerShdw>
-          </a:effectLst>
-        </a:effectStyle>
-        <a:effectStyle>
-          <a:effectLst>
-            <a:outerShdw blurRad="40000" dist="23000" dir="5400000" rotWithShape="0">
-              <a:srgbClr val="000000">
-                <a:alpha val="35000"/>
-              </a:srgbClr>
-            </a:outerShdw>
-          </a:effectLst>
-          <a:scene3d>
-            <a:camera prst="orthographicFront">
-              <a:rot lat="0" lon="0" rev="0"/>
-            </a:camera>
-            <a:lightRig rig="threePt" dir="t">
-              <a:rot lat="0" lon="0" rev="1200000"/>
-            </a:lightRig>
-          </a:scene3d>
-          <a:sp3d>
-            <a:bevelT w="63500" h="25400"/>
-          </a:sp3d>
-        </a:effectStyle>
-      </a:effectStyleLst>
-      <a:bgFillStyleLst>
-        <a:solidFill>
-          <a:schemeClr val="phClr"/>
-        </a:solidFill>
-        <a:gradFill rotWithShape="1">
-          <a:gsLst>
-            <a:gs pos="0">
-              <a:schemeClr val="phClr">
-                <a:tint val="40000"/>
-                <a:satMod val="350000"/>
-              </a:schemeClr>
-            </a:gs>
-            <a:gs pos="40000">
-              <a:schemeClr val="phClr">
-                <a:tint val="45000"/>
-                <a:shade val="99000"/>
-                <a:satMod val="350000"/>
-              </a:schemeClr>
-            </a:gs>
-            <a:gs pos="100000">
-              <a:schemeClr val="phClr">
-                <a:shade val="20000"/>
-                <a:satMod val="255000"/>
-              </a:schemeClr>
-            </a:gs>
-          </a:gsLst>
-          <a:path path="circle">
-            <a:fillToRect l="50000" t="-80000" r="50000" b="180000"/>
-          </a:path>
-        </a:gradFill>
-        <a:gradFill rotWithShape="1">
-          <a:gsLst>
-            <a:gs pos="0">
-              <a:schemeClr val="phClr">
-                <a:tint val="80000"/>
-                <a:satMod val="300000"/>
-              </a:schemeClr>
-            </a:gs>
-            <a:gs pos="100000">
-              <a:schemeClr val="phClr">
-                <a:shade val="30000"/>
-                <a:satMod val="200000"/>
-              </a:schemeClr>
-            </a:gs>
-          </a:gsLst>
-          <a:path path="circle">
-            <a:fillToRect l="50000" t="50000" r="50000" b="50000"/>
-          </a:path>
-        </a:gradFill>
-      </a:bgFillStyleLst>
-    </a:fmtScheme>
-  </a:themeElements>
-</a:theme>
 </file>